--- a/presentation/pres1.pptx
+++ b/presentation/pres1.pptx
@@ -9,33 +9,36 @@
     <p:sldId id="257" r:id="rId3"/>
     <p:sldId id="262" r:id="rId4"/>
     <p:sldId id="261" r:id="rId5"/>
-    <p:sldId id="258" r:id="rId6"/>
-    <p:sldId id="259" r:id="rId7"/>
-    <p:sldId id="286" r:id="rId8"/>
-    <p:sldId id="260" r:id="rId9"/>
-    <p:sldId id="285" r:id="rId10"/>
-    <p:sldId id="270" r:id="rId11"/>
-    <p:sldId id="263" r:id="rId12"/>
-    <p:sldId id="264" r:id="rId13"/>
-    <p:sldId id="271" r:id="rId14"/>
-    <p:sldId id="272" r:id="rId15"/>
-    <p:sldId id="265" r:id="rId16"/>
-    <p:sldId id="266" r:id="rId17"/>
-    <p:sldId id="267" r:id="rId18"/>
-    <p:sldId id="268" r:id="rId19"/>
-    <p:sldId id="269" r:id="rId20"/>
-    <p:sldId id="273" r:id="rId21"/>
-    <p:sldId id="274" r:id="rId22"/>
-    <p:sldId id="275" r:id="rId23"/>
-    <p:sldId id="277" r:id="rId24"/>
-    <p:sldId id="276" r:id="rId25"/>
-    <p:sldId id="278" r:id="rId26"/>
-    <p:sldId id="279" r:id="rId27"/>
-    <p:sldId id="281" r:id="rId28"/>
-    <p:sldId id="282" r:id="rId29"/>
-    <p:sldId id="283" r:id="rId30"/>
-    <p:sldId id="284" r:id="rId31"/>
-    <p:sldId id="280" r:id="rId32"/>
+    <p:sldId id="290" r:id="rId6"/>
+    <p:sldId id="258" r:id="rId7"/>
+    <p:sldId id="291" r:id="rId8"/>
+    <p:sldId id="292" r:id="rId9"/>
+    <p:sldId id="293" r:id="rId10"/>
+    <p:sldId id="294" r:id="rId11"/>
+    <p:sldId id="286" r:id="rId12"/>
+    <p:sldId id="285" r:id="rId13"/>
+    <p:sldId id="270" r:id="rId14"/>
+    <p:sldId id="263" r:id="rId15"/>
+    <p:sldId id="264" r:id="rId16"/>
+    <p:sldId id="271" r:id="rId17"/>
+    <p:sldId id="272" r:id="rId18"/>
+    <p:sldId id="265" r:id="rId19"/>
+    <p:sldId id="266" r:id="rId20"/>
+    <p:sldId id="267" r:id="rId21"/>
+    <p:sldId id="268" r:id="rId22"/>
+    <p:sldId id="269" r:id="rId23"/>
+    <p:sldId id="273" r:id="rId24"/>
+    <p:sldId id="274" r:id="rId25"/>
+    <p:sldId id="275" r:id="rId26"/>
+    <p:sldId id="277" r:id="rId27"/>
+    <p:sldId id="276" r:id="rId28"/>
+    <p:sldId id="278" r:id="rId29"/>
+    <p:sldId id="279" r:id="rId30"/>
+    <p:sldId id="281" r:id="rId31"/>
+    <p:sldId id="282" r:id="rId32"/>
+    <p:sldId id="283" r:id="rId33"/>
+    <p:sldId id="284" r:id="rId34"/>
+    <p:sldId id="280" r:id="rId35"/>
   </p:sldIdLst>
   <p:sldSz cx="12192000" cy="6858000"/>
   <p:notesSz cx="6858000" cy="9144000"/>
@@ -143,10 +146,13 @@
             <p14:sldId id="257"/>
             <p14:sldId id="262"/>
             <p14:sldId id="261"/>
+            <p14:sldId id="290"/>
             <p14:sldId id="258"/>
-            <p14:sldId id="259"/>
+            <p14:sldId id="291"/>
+            <p14:sldId id="292"/>
+            <p14:sldId id="293"/>
+            <p14:sldId id="294"/>
             <p14:sldId id="286"/>
-            <p14:sldId id="260"/>
           </p14:sldIdLst>
         </p14:section>
         <p14:section name="Solutions" id="{9A62C72E-3A5C-4038-AB7E-D6BB75ABEC12}">
@@ -189,6 +195,9 @@
           </p14:sldIdLst>
         </p14:section>
       </p14:sectionLst>
+    </p:ext>
+    <p:ext uri="{EFAFB233-063F-42B5-8137-9DF3F51BA10A}">
+      <p15:sldGuideLst xmlns:p15="http://schemas.microsoft.com/office/powerpoint/2012/main"/>
     </p:ext>
   </p:extLst>
 </p:presentation>
@@ -3518,7 +3527,7 @@
           <p:cNvPr id="2" name="Title 1">
             <a:extLst>
               <a:ext uri="{FF2B5EF4-FFF2-40B4-BE49-F238E27FC236}">
-                <a16:creationId xmlns:a16="http://schemas.microsoft.com/office/drawing/2014/main" id="{CBB8D570-7A8E-4954-B0B4-255259E506B5}"/>
+                <a16:creationId xmlns:a16="http://schemas.microsoft.com/office/drawing/2014/main" id="{F1E30A77-DD40-4A56-AD33-EC051C0AD2E8}"/>
               </a:ext>
             </a:extLst>
           </p:cNvPr>
@@ -3536,18 +3545,54 @@
           <a:p>
             <a:r>
               <a:rPr lang="en-GB" dirty="0"/>
-              <a:t>Serial Coordinate Descent</a:t>
+              <a:t>CLEAN</a:t>
             </a:r>
             <a:endParaRPr lang="en-CH" dirty="0"/>
           </a:p>
         </p:txBody>
       </p:sp>
-      <p:sp>
-        <p:nvSpPr>
-          <p:cNvPr id="3" name="Content Placeholder 2">
-            <a:extLst>
-              <a:ext uri="{FF2B5EF4-FFF2-40B4-BE49-F238E27FC236}">
-                <a16:creationId xmlns:a16="http://schemas.microsoft.com/office/drawing/2014/main" id="{15294FCC-65F7-48A1-9369-2EAB9A7C4407}"/>
+      <p:pic>
+        <p:nvPicPr>
+          <p:cNvPr id="13" name="Picture 12" descr="A picture containing black, dark, night, laptop&#10;&#10;Description automatically generated">
+            <a:extLst>
+              <a:ext uri="{FF2B5EF4-FFF2-40B4-BE49-F238E27FC236}">
+                <a16:creationId xmlns:a16="http://schemas.microsoft.com/office/drawing/2014/main" id="{1EAB7570-BC4A-440C-88AF-67E8C71C0212}"/>
+              </a:ext>
+            </a:extLst>
+          </p:cNvPr>
+          <p:cNvPicPr>
+            <a:picLocks noChangeAspect="1"/>
+          </p:cNvPicPr>
+          <p:nvPr/>
+        </p:nvPicPr>
+        <p:blipFill>
+          <a:blip r:embed="rId2">
+            <a:extLst>
+              <a:ext uri="{28A0092B-C50C-407E-A947-70E740481C1C}">
+                <a14:useLocalDpi xmlns:a14="http://schemas.microsoft.com/office/drawing/2010/main" val="0"/>
+              </a:ext>
+            </a:extLst>
+          </a:blip>
+          <a:stretch>
+            <a:fillRect/>
+          </a:stretch>
+        </p:blipFill>
+        <p:spPr>
+          <a:xfrm>
+            <a:off x="1490533" y="1666506"/>
+            <a:ext cx="4480952" cy="4480952"/>
+          </a:xfrm>
+          <a:prstGeom prst="rect">
+            <a:avLst/>
+          </a:prstGeom>
+        </p:spPr>
+      </p:pic>
+      <p:sp>
+        <p:nvSpPr>
+          <p:cNvPr id="4" name="Content Placeholder 3">
+            <a:extLst>
+              <a:ext uri="{FF2B5EF4-FFF2-40B4-BE49-F238E27FC236}">
+                <a16:creationId xmlns:a16="http://schemas.microsoft.com/office/drawing/2014/main" id="{4794C253-B992-4C94-8F85-4AE5D3D1BE27}"/>
               </a:ext>
             </a:extLst>
           </p:cNvPr>
@@ -3567,10 +3612,46 @@
           </a:p>
         </p:txBody>
       </p:sp>
+      <p:pic>
+        <p:nvPicPr>
+          <p:cNvPr id="14" name="Content Placeholder 10" descr="A picture containing light, traffic, dark, sitting&#10;&#10;Description automatically generated">
+            <a:extLst>
+              <a:ext uri="{FF2B5EF4-FFF2-40B4-BE49-F238E27FC236}">
+                <a16:creationId xmlns:a16="http://schemas.microsoft.com/office/drawing/2014/main" id="{FDFF5E7B-3E6E-4C32-9052-AF11A2AFCBDF}"/>
+              </a:ext>
+            </a:extLst>
+          </p:cNvPr>
+          <p:cNvPicPr>
+            <a:picLocks noChangeAspect="1"/>
+          </p:cNvPicPr>
+          <p:nvPr/>
+        </p:nvPicPr>
+        <p:blipFill>
+          <a:blip r:embed="rId3">
+            <a:extLst>
+              <a:ext uri="{28A0092B-C50C-407E-A947-70E740481C1C}">
+                <a14:useLocalDpi xmlns:a14="http://schemas.microsoft.com/office/drawing/2010/main" val="0"/>
+              </a:ext>
+            </a:extLst>
+          </a:blip>
+          <a:stretch>
+            <a:fillRect/>
+          </a:stretch>
+        </p:blipFill>
+        <p:spPr>
+          <a:xfrm>
+            <a:off x="6380171" y="1690688"/>
+            <a:ext cx="4480950" cy="4480950"/>
+          </a:xfrm>
+          <a:prstGeom prst="rect">
+            <a:avLst/>
+          </a:prstGeom>
+        </p:spPr>
+      </p:pic>
     </p:spTree>
     <p:extLst>
       <p:ext uri="{BB962C8B-B14F-4D97-AF65-F5344CB8AC3E}">
-        <p14:creationId xmlns:p14="http://schemas.microsoft.com/office/powerpoint/2010/main" val="3213660144"/>
+        <p14:creationId xmlns:p14="http://schemas.microsoft.com/office/powerpoint/2010/main" val="2563937522"/>
       </p:ext>
     </p:extLst>
   </p:cSld>
@@ -3602,7 +3683,7 @@
           <p:cNvPr id="2" name="Title 1">
             <a:extLst>
               <a:ext uri="{FF2B5EF4-FFF2-40B4-BE49-F238E27FC236}">
-                <a16:creationId xmlns:a16="http://schemas.microsoft.com/office/drawing/2014/main" id="{1F3CC982-B47B-404C-A7D2-F43C2A3B43C8}"/>
+                <a16:creationId xmlns:a16="http://schemas.microsoft.com/office/drawing/2014/main" id="{109A1B16-4824-4B39-AA98-789C66E0DE1B}"/>
               </a:ext>
             </a:extLst>
           </p:cNvPr>
@@ -3620,7 +3701,7 @@
           <a:p>
             <a:r>
               <a:rPr lang="en-GB" dirty="0"/>
-              <a:t>Gradient calculation</a:t>
+              <a:t>Multi-scale CLEAN</a:t>
             </a:r>
             <a:endParaRPr lang="en-CH" dirty="0"/>
           </a:p>
@@ -3631,7 +3712,7 @@
           <p:cNvPr id="3" name="Content Placeholder 2">
             <a:extLst>
               <a:ext uri="{FF2B5EF4-FFF2-40B4-BE49-F238E27FC236}">
-                <a16:creationId xmlns:a16="http://schemas.microsoft.com/office/drawing/2014/main" id="{CFC73E45-757F-4005-B3EE-DA73F7D40771}"/>
+                <a16:creationId xmlns:a16="http://schemas.microsoft.com/office/drawing/2014/main" id="{E8143459-0E23-4B0B-92B6-64A1E4AC23AA}"/>
               </a:ext>
             </a:extLst>
           </p:cNvPr>
@@ -3654,7 +3735,7 @@
     </p:spTree>
     <p:extLst>
       <p:ext uri="{BB962C8B-B14F-4D97-AF65-F5344CB8AC3E}">
-        <p14:creationId xmlns:p14="http://schemas.microsoft.com/office/powerpoint/2010/main" val="1085056282"/>
+        <p14:creationId xmlns:p14="http://schemas.microsoft.com/office/powerpoint/2010/main" val="1642664227"/>
       </p:ext>
     </p:extLst>
   </p:cSld>
@@ -3686,7 +3767,7 @@
           <p:cNvPr id="2" name="Title 1">
             <a:extLst>
               <a:ext uri="{FF2B5EF4-FFF2-40B4-BE49-F238E27FC236}">
-                <a16:creationId xmlns:a16="http://schemas.microsoft.com/office/drawing/2014/main" id="{E5BC5ED0-C674-42E7-B0C6-F96FDC1EFA43}"/>
+                <a16:creationId xmlns:a16="http://schemas.microsoft.com/office/drawing/2014/main" id="{134094BD-5175-4C3F-9CA9-6E69F0956AA0}"/>
               </a:ext>
             </a:extLst>
           </p:cNvPr>
@@ -3704,7 +3785,7 @@
           <a:p>
             <a:r>
               <a:rPr lang="en-GB" dirty="0"/>
-              <a:t>PSF Approximation</a:t>
+              <a:t>Elastic Net Regularization</a:t>
             </a:r>
             <a:endParaRPr lang="en-CH" dirty="0"/>
           </a:p>
@@ -3715,7 +3796,7 @@
           <p:cNvPr id="3" name="Content Placeholder 2">
             <a:extLst>
               <a:ext uri="{FF2B5EF4-FFF2-40B4-BE49-F238E27FC236}">
-                <a16:creationId xmlns:a16="http://schemas.microsoft.com/office/drawing/2014/main" id="{09CDC04C-7F1F-48E4-8A62-5DA774682FE9}"/>
+                <a16:creationId xmlns:a16="http://schemas.microsoft.com/office/drawing/2014/main" id="{98630EFC-F809-4BA1-A811-696E0B06C10C}"/>
               </a:ext>
             </a:extLst>
           </p:cNvPr>
@@ -3738,7 +3819,7 @@
     </p:spTree>
     <p:extLst>
       <p:ext uri="{BB962C8B-B14F-4D97-AF65-F5344CB8AC3E}">
-        <p14:creationId xmlns:p14="http://schemas.microsoft.com/office/powerpoint/2010/main" val="2888111346"/>
+        <p14:creationId xmlns:p14="http://schemas.microsoft.com/office/powerpoint/2010/main" val="69912885"/>
       </p:ext>
     </p:extLst>
   </p:cSld>
@@ -3770,7 +3851,7 @@
           <p:cNvPr id="2" name="Title 1">
             <a:extLst>
               <a:ext uri="{FF2B5EF4-FFF2-40B4-BE49-F238E27FC236}">
-                <a16:creationId xmlns:a16="http://schemas.microsoft.com/office/drawing/2014/main" id="{E1BA4AFE-11EE-435D-BC15-450B00062F5E}"/>
+                <a16:creationId xmlns:a16="http://schemas.microsoft.com/office/drawing/2014/main" id="{CBB8D570-7A8E-4954-B0B4-255259E506B5}"/>
               </a:ext>
             </a:extLst>
           </p:cNvPr>
@@ -3788,7 +3869,7 @@
           <a:p>
             <a:r>
               <a:rPr lang="en-GB" dirty="0"/>
-              <a:t>PSF approximation Method 1</a:t>
+              <a:t>Serial Coordinate Descent</a:t>
             </a:r>
             <a:endParaRPr lang="en-CH" dirty="0"/>
           </a:p>
@@ -3799,7 +3880,7 @@
           <p:cNvPr id="3" name="Content Placeholder 2">
             <a:extLst>
               <a:ext uri="{FF2B5EF4-FFF2-40B4-BE49-F238E27FC236}">
-                <a16:creationId xmlns:a16="http://schemas.microsoft.com/office/drawing/2014/main" id="{BF4397DD-244C-4375-BBCE-EBCE60063967}"/>
+                <a16:creationId xmlns:a16="http://schemas.microsoft.com/office/drawing/2014/main" id="{15294FCC-65F7-48A1-9369-2EAB9A7C4407}"/>
               </a:ext>
             </a:extLst>
           </p:cNvPr>
@@ -3822,7 +3903,7 @@
     </p:spTree>
     <p:extLst>
       <p:ext uri="{BB962C8B-B14F-4D97-AF65-F5344CB8AC3E}">
-        <p14:creationId xmlns:p14="http://schemas.microsoft.com/office/powerpoint/2010/main" val="4103635489"/>
+        <p14:creationId xmlns:p14="http://schemas.microsoft.com/office/powerpoint/2010/main" val="3213660144"/>
       </p:ext>
     </p:extLst>
   </p:cSld>
@@ -3854,7 +3935,7 @@
           <p:cNvPr id="2" name="Title 1">
             <a:extLst>
               <a:ext uri="{FF2B5EF4-FFF2-40B4-BE49-F238E27FC236}">
-                <a16:creationId xmlns:a16="http://schemas.microsoft.com/office/drawing/2014/main" id="{7BC44784-99E8-41DC-91A8-48E60499181F}"/>
+                <a16:creationId xmlns:a16="http://schemas.microsoft.com/office/drawing/2014/main" id="{1F3CC982-B47B-404C-A7D2-F43C2A3B43C8}"/>
               </a:ext>
             </a:extLst>
           </p:cNvPr>
@@ -3872,7 +3953,7 @@
           <a:p>
             <a:r>
               <a:rPr lang="en-GB" dirty="0"/>
-              <a:t>PSF Approximation Method 2</a:t>
+              <a:t>Gradient calculation</a:t>
             </a:r>
             <a:endParaRPr lang="en-CH" dirty="0"/>
           </a:p>
@@ -3883,7 +3964,7 @@
           <p:cNvPr id="3" name="Content Placeholder 2">
             <a:extLst>
               <a:ext uri="{FF2B5EF4-FFF2-40B4-BE49-F238E27FC236}">
-                <a16:creationId xmlns:a16="http://schemas.microsoft.com/office/drawing/2014/main" id="{A9DC5F57-6F2A-47E5-8A75-0BC4313A8652}"/>
+                <a16:creationId xmlns:a16="http://schemas.microsoft.com/office/drawing/2014/main" id="{CFC73E45-757F-4005-B3EE-DA73F7D40771}"/>
               </a:ext>
             </a:extLst>
           </p:cNvPr>
@@ -3906,7 +3987,7 @@
     </p:spTree>
     <p:extLst>
       <p:ext uri="{BB962C8B-B14F-4D97-AF65-F5344CB8AC3E}">
-        <p14:creationId xmlns:p14="http://schemas.microsoft.com/office/powerpoint/2010/main" val="2709624559"/>
+        <p14:creationId xmlns:p14="http://schemas.microsoft.com/office/powerpoint/2010/main" val="1085056282"/>
       </p:ext>
     </p:extLst>
   </p:cSld>
@@ -3938,7 +4019,7 @@
           <p:cNvPr id="2" name="Title 1">
             <a:extLst>
               <a:ext uri="{FF2B5EF4-FFF2-40B4-BE49-F238E27FC236}">
-                <a16:creationId xmlns:a16="http://schemas.microsoft.com/office/drawing/2014/main" id="{D07AAC51-A129-408D-8ED1-DA541DDDB64C}"/>
+                <a16:creationId xmlns:a16="http://schemas.microsoft.com/office/drawing/2014/main" id="{E5BC5ED0-C674-42E7-B0C6-F96FDC1EFA43}"/>
               </a:ext>
             </a:extLst>
           </p:cNvPr>
@@ -3956,7 +4037,7 @@
           <a:p>
             <a:r>
               <a:rPr lang="en-GB" dirty="0"/>
-              <a:t>Parallel Coordinate Descent</a:t>
+              <a:t>PSF Approximation</a:t>
             </a:r>
             <a:endParaRPr lang="en-CH" dirty="0"/>
           </a:p>
@@ -3967,7 +4048,7 @@
           <p:cNvPr id="3" name="Content Placeholder 2">
             <a:extLst>
               <a:ext uri="{FF2B5EF4-FFF2-40B4-BE49-F238E27FC236}">
-                <a16:creationId xmlns:a16="http://schemas.microsoft.com/office/drawing/2014/main" id="{C273B41B-37B4-420C-A037-559B956510AB}"/>
+                <a16:creationId xmlns:a16="http://schemas.microsoft.com/office/drawing/2014/main" id="{09CDC04C-7F1F-48E4-8A62-5DA774682FE9}"/>
               </a:ext>
             </a:extLst>
           </p:cNvPr>
@@ -3990,7 +4071,7 @@
     </p:spTree>
     <p:extLst>
       <p:ext uri="{BB962C8B-B14F-4D97-AF65-F5344CB8AC3E}">
-        <p14:creationId xmlns:p14="http://schemas.microsoft.com/office/powerpoint/2010/main" val="1045310739"/>
+        <p14:creationId xmlns:p14="http://schemas.microsoft.com/office/powerpoint/2010/main" val="2888111346"/>
       </p:ext>
     </p:extLst>
   </p:cSld>
@@ -4022,7 +4103,7 @@
           <p:cNvPr id="2" name="Title 1">
             <a:extLst>
               <a:ext uri="{FF2B5EF4-FFF2-40B4-BE49-F238E27FC236}">
-                <a16:creationId xmlns:a16="http://schemas.microsoft.com/office/drawing/2014/main" id="{056B387B-67AF-4871-B28D-4449CC63ADE6}"/>
+                <a16:creationId xmlns:a16="http://schemas.microsoft.com/office/drawing/2014/main" id="{E1BA4AFE-11EE-435D-BC15-450B00062F5E}"/>
               </a:ext>
             </a:extLst>
           </p:cNvPr>
@@ -4040,7 +4121,7 @@
           <a:p>
             <a:r>
               <a:rPr lang="en-GB" dirty="0"/>
-              <a:t>ESO</a:t>
+              <a:t>PSF approximation Method 1</a:t>
             </a:r>
             <a:endParaRPr lang="en-CH" dirty="0"/>
           </a:p>
@@ -4051,7 +4132,7 @@
           <p:cNvPr id="3" name="Content Placeholder 2">
             <a:extLst>
               <a:ext uri="{FF2B5EF4-FFF2-40B4-BE49-F238E27FC236}">
-                <a16:creationId xmlns:a16="http://schemas.microsoft.com/office/drawing/2014/main" id="{ABB0557F-0E9F-4CE7-A27E-52F7E5072A3A}"/>
+                <a16:creationId xmlns:a16="http://schemas.microsoft.com/office/drawing/2014/main" id="{BF4397DD-244C-4375-BBCE-EBCE60063967}"/>
               </a:ext>
             </a:extLst>
           </p:cNvPr>
@@ -4074,7 +4155,7 @@
     </p:spTree>
     <p:extLst>
       <p:ext uri="{BB962C8B-B14F-4D97-AF65-F5344CB8AC3E}">
-        <p14:creationId xmlns:p14="http://schemas.microsoft.com/office/powerpoint/2010/main" val="4257403285"/>
+        <p14:creationId xmlns:p14="http://schemas.microsoft.com/office/powerpoint/2010/main" val="4103635489"/>
       </p:ext>
     </p:extLst>
   </p:cSld>
@@ -4106,7 +4187,7 @@
           <p:cNvPr id="2" name="Title 1">
             <a:extLst>
               <a:ext uri="{FF2B5EF4-FFF2-40B4-BE49-F238E27FC236}">
-                <a16:creationId xmlns:a16="http://schemas.microsoft.com/office/drawing/2014/main" id="{3845DC70-D821-45BD-90B3-3076F1DE4641}"/>
+                <a16:creationId xmlns:a16="http://schemas.microsoft.com/office/drawing/2014/main" id="{7BC44784-99E8-41DC-91A8-48E60499181F}"/>
               </a:ext>
             </a:extLst>
           </p:cNvPr>
@@ -4124,7 +4205,7 @@
           <a:p>
             <a:r>
               <a:rPr lang="en-GB" dirty="0"/>
-              <a:t>Problems on the deconvolution</a:t>
+              <a:t>PSF Approximation Method 2</a:t>
             </a:r>
             <a:endParaRPr lang="en-CH" dirty="0"/>
           </a:p>
@@ -4135,7 +4216,7 @@
           <p:cNvPr id="3" name="Content Placeholder 2">
             <a:extLst>
               <a:ext uri="{FF2B5EF4-FFF2-40B4-BE49-F238E27FC236}">
-                <a16:creationId xmlns:a16="http://schemas.microsoft.com/office/drawing/2014/main" id="{A34121DE-D6D8-43B6-BA07-8FBA4E1657DF}"/>
+                <a16:creationId xmlns:a16="http://schemas.microsoft.com/office/drawing/2014/main" id="{A9DC5F57-6F2A-47E5-8A75-0BC4313A8652}"/>
               </a:ext>
             </a:extLst>
           </p:cNvPr>
@@ -4158,7 +4239,7 @@
     </p:spTree>
     <p:extLst>
       <p:ext uri="{BB962C8B-B14F-4D97-AF65-F5344CB8AC3E}">
-        <p14:creationId xmlns:p14="http://schemas.microsoft.com/office/powerpoint/2010/main" val="2834284298"/>
+        <p14:creationId xmlns:p14="http://schemas.microsoft.com/office/powerpoint/2010/main" val="2709624559"/>
       </p:ext>
     </p:extLst>
   </p:cSld>
@@ -4190,7 +4271,7 @@
           <p:cNvPr id="2" name="Title 1">
             <a:extLst>
               <a:ext uri="{FF2B5EF4-FFF2-40B4-BE49-F238E27FC236}">
-                <a16:creationId xmlns:a16="http://schemas.microsoft.com/office/drawing/2014/main" id="{7D05F29C-BE68-47BC-915C-71E9AE89259C}"/>
+                <a16:creationId xmlns:a16="http://schemas.microsoft.com/office/drawing/2014/main" id="{D07AAC51-A129-408D-8ED1-DA541DDDB64C}"/>
               </a:ext>
             </a:extLst>
           </p:cNvPr>
@@ -4208,7 +4289,7 @@
           <a:p>
             <a:r>
               <a:rPr lang="en-GB" dirty="0"/>
-              <a:t>Search Factor</a:t>
+              <a:t>Parallel Coordinate Descent</a:t>
             </a:r>
             <a:endParaRPr lang="en-CH" dirty="0"/>
           </a:p>
@@ -4219,7 +4300,7 @@
           <p:cNvPr id="3" name="Content Placeholder 2">
             <a:extLst>
               <a:ext uri="{FF2B5EF4-FFF2-40B4-BE49-F238E27FC236}">
-                <a16:creationId xmlns:a16="http://schemas.microsoft.com/office/drawing/2014/main" id="{F081DF78-1FFB-4C76-B606-4900F51FF726}"/>
+                <a16:creationId xmlns:a16="http://schemas.microsoft.com/office/drawing/2014/main" id="{C273B41B-37B4-420C-A037-559B956510AB}"/>
               </a:ext>
             </a:extLst>
           </p:cNvPr>
@@ -4242,7 +4323,7 @@
     </p:spTree>
     <p:extLst>
       <p:ext uri="{BB962C8B-B14F-4D97-AF65-F5344CB8AC3E}">
-        <p14:creationId xmlns:p14="http://schemas.microsoft.com/office/powerpoint/2010/main" val="3447425377"/>
+        <p14:creationId xmlns:p14="http://schemas.microsoft.com/office/powerpoint/2010/main" val="1045310739"/>
       </p:ext>
     </p:extLst>
   </p:cSld>
@@ -4274,7 +4355,7 @@
           <p:cNvPr id="2" name="Title 1">
             <a:extLst>
               <a:ext uri="{FF2B5EF4-FFF2-40B4-BE49-F238E27FC236}">
-                <a16:creationId xmlns:a16="http://schemas.microsoft.com/office/drawing/2014/main" id="{0DEFDF16-6C0D-46E7-9EBA-0EA2ECBEE376}"/>
+                <a16:creationId xmlns:a16="http://schemas.microsoft.com/office/drawing/2014/main" id="{056B387B-67AF-4871-B28D-4449CC63ADE6}"/>
               </a:ext>
             </a:extLst>
           </p:cNvPr>
@@ -4290,7 +4371,11 @@
           <a:bodyPr/>
           <a:lstStyle/>
           <a:p>
-            <a:endParaRPr lang="en-CH"/>
+            <a:r>
+              <a:rPr lang="en-GB" dirty="0"/>
+              <a:t>ESO</a:t>
+            </a:r>
+            <a:endParaRPr lang="en-CH" dirty="0"/>
           </a:p>
         </p:txBody>
       </p:sp>
@@ -4299,7 +4384,7 @@
           <p:cNvPr id="3" name="Content Placeholder 2">
             <a:extLst>
               <a:ext uri="{FF2B5EF4-FFF2-40B4-BE49-F238E27FC236}">
-                <a16:creationId xmlns:a16="http://schemas.microsoft.com/office/drawing/2014/main" id="{DAC2DC17-3690-40D0-AEE8-0B33BDDCD1F7}"/>
+                <a16:creationId xmlns:a16="http://schemas.microsoft.com/office/drawing/2014/main" id="{ABB0557F-0E9F-4CE7-A27E-52F7E5072A3A}"/>
               </a:ext>
             </a:extLst>
           </p:cNvPr>
@@ -4322,7 +4407,7 @@
     </p:spTree>
     <p:extLst>
       <p:ext uri="{BB962C8B-B14F-4D97-AF65-F5344CB8AC3E}">
-        <p14:creationId xmlns:p14="http://schemas.microsoft.com/office/powerpoint/2010/main" val="1857717566"/>
+        <p14:creationId xmlns:p14="http://schemas.microsoft.com/office/powerpoint/2010/main" val="4257403285"/>
       </p:ext>
     </p:extLst>
   </p:cSld>
@@ -4438,7 +4523,7 @@
           <p:cNvPr id="2" name="Title 1">
             <a:extLst>
               <a:ext uri="{FF2B5EF4-FFF2-40B4-BE49-F238E27FC236}">
-                <a16:creationId xmlns:a16="http://schemas.microsoft.com/office/drawing/2014/main" id="{B84EDB2C-AA84-4C71-8157-A1A3B5ABD43C}"/>
+                <a16:creationId xmlns:a16="http://schemas.microsoft.com/office/drawing/2014/main" id="{3845DC70-D821-45BD-90B3-3076F1DE4641}"/>
               </a:ext>
             </a:extLst>
           </p:cNvPr>
@@ -4456,7 +4541,7 @@
           <a:p>
             <a:r>
               <a:rPr lang="en-GB" dirty="0"/>
-              <a:t>LMC Observation</a:t>
+              <a:t>Problems on the deconvolution</a:t>
             </a:r>
             <a:endParaRPr lang="en-CH" dirty="0"/>
           </a:p>
@@ -4464,10 +4549,10 @@
       </p:sp>
       <p:sp>
         <p:nvSpPr>
-          <p:cNvPr id="7" name="Content Placeholder 6">
-            <a:extLst>
-              <a:ext uri="{FF2B5EF4-FFF2-40B4-BE49-F238E27FC236}">
-                <a16:creationId xmlns:a16="http://schemas.microsoft.com/office/drawing/2014/main" id="{BBEF5443-67D5-4D90-91D2-DC5A8D801AE1}"/>
+          <p:cNvPr id="3" name="Content Placeholder 2">
+            <a:extLst>
+              <a:ext uri="{FF2B5EF4-FFF2-40B4-BE49-F238E27FC236}">
+                <a16:creationId xmlns:a16="http://schemas.microsoft.com/office/drawing/2014/main" id="{A34121DE-D6D8-43B6-BA07-8FBA4E1657DF}"/>
               </a:ext>
             </a:extLst>
           </p:cNvPr>
@@ -4490,7 +4575,7 @@
     </p:spTree>
     <p:extLst>
       <p:ext uri="{BB962C8B-B14F-4D97-AF65-F5344CB8AC3E}">
-        <p14:creationId xmlns:p14="http://schemas.microsoft.com/office/powerpoint/2010/main" val="4137743472"/>
+        <p14:creationId xmlns:p14="http://schemas.microsoft.com/office/powerpoint/2010/main" val="2834284298"/>
       </p:ext>
     </p:extLst>
   </p:cSld>
@@ -4522,6 +4607,254 @@
           <p:cNvPr id="2" name="Title 1">
             <a:extLst>
               <a:ext uri="{FF2B5EF4-FFF2-40B4-BE49-F238E27FC236}">
+                <a16:creationId xmlns:a16="http://schemas.microsoft.com/office/drawing/2014/main" id="{7D05F29C-BE68-47BC-915C-71E9AE89259C}"/>
+              </a:ext>
+            </a:extLst>
+          </p:cNvPr>
+          <p:cNvSpPr>
+            <a:spLocks noGrp="1"/>
+          </p:cNvSpPr>
+          <p:nvPr>
+            <p:ph type="title"/>
+          </p:nvPr>
+        </p:nvSpPr>
+        <p:spPr/>
+        <p:txBody>
+          <a:bodyPr/>
+          <a:lstStyle/>
+          <a:p>
+            <a:r>
+              <a:rPr lang="en-GB" dirty="0"/>
+              <a:t>Search Factor</a:t>
+            </a:r>
+            <a:endParaRPr lang="en-CH" dirty="0"/>
+          </a:p>
+        </p:txBody>
+      </p:sp>
+      <p:sp>
+        <p:nvSpPr>
+          <p:cNvPr id="3" name="Content Placeholder 2">
+            <a:extLst>
+              <a:ext uri="{FF2B5EF4-FFF2-40B4-BE49-F238E27FC236}">
+                <a16:creationId xmlns:a16="http://schemas.microsoft.com/office/drawing/2014/main" id="{F081DF78-1FFB-4C76-B606-4900F51FF726}"/>
+              </a:ext>
+            </a:extLst>
+          </p:cNvPr>
+          <p:cNvSpPr>
+            <a:spLocks noGrp="1"/>
+          </p:cNvSpPr>
+          <p:nvPr>
+            <p:ph idx="1"/>
+          </p:nvPr>
+        </p:nvSpPr>
+        <p:spPr/>
+        <p:txBody>
+          <a:bodyPr/>
+          <a:lstStyle/>
+          <a:p>
+            <a:endParaRPr lang="en-CH"/>
+          </a:p>
+        </p:txBody>
+      </p:sp>
+    </p:spTree>
+    <p:extLst>
+      <p:ext uri="{BB962C8B-B14F-4D97-AF65-F5344CB8AC3E}">
+        <p14:creationId xmlns:p14="http://schemas.microsoft.com/office/powerpoint/2010/main" val="3447425377"/>
+      </p:ext>
+    </p:extLst>
+  </p:cSld>
+  <p:clrMapOvr>
+    <a:masterClrMapping/>
+  </p:clrMapOvr>
+</p:sld>
+</file>
+
+<file path=ppt/slides/slide22.xml><?xml version="1.0" encoding="utf-8"?>
+<p:sld xmlns:a="http://schemas.openxmlformats.org/drawingml/2006/main" xmlns:r="http://schemas.openxmlformats.org/officeDocument/2006/relationships" xmlns:p="http://schemas.openxmlformats.org/presentationml/2006/main">
+  <p:cSld>
+    <p:spTree>
+      <p:nvGrpSpPr>
+        <p:cNvPr id="1" name=""/>
+        <p:cNvGrpSpPr/>
+        <p:nvPr/>
+      </p:nvGrpSpPr>
+      <p:grpSpPr>
+        <a:xfrm>
+          <a:off x="0" y="0"/>
+          <a:ext cx="0" cy="0"/>
+          <a:chOff x="0" y="0"/>
+          <a:chExt cx="0" cy="0"/>
+        </a:xfrm>
+      </p:grpSpPr>
+      <p:sp>
+        <p:nvSpPr>
+          <p:cNvPr id="2" name="Title 1">
+            <a:extLst>
+              <a:ext uri="{FF2B5EF4-FFF2-40B4-BE49-F238E27FC236}">
+                <a16:creationId xmlns:a16="http://schemas.microsoft.com/office/drawing/2014/main" id="{0DEFDF16-6C0D-46E7-9EBA-0EA2ECBEE376}"/>
+              </a:ext>
+            </a:extLst>
+          </p:cNvPr>
+          <p:cNvSpPr>
+            <a:spLocks noGrp="1"/>
+          </p:cNvSpPr>
+          <p:nvPr>
+            <p:ph type="title"/>
+          </p:nvPr>
+        </p:nvSpPr>
+        <p:spPr/>
+        <p:txBody>
+          <a:bodyPr/>
+          <a:lstStyle/>
+          <a:p>
+            <a:endParaRPr lang="en-CH"/>
+          </a:p>
+        </p:txBody>
+      </p:sp>
+      <p:sp>
+        <p:nvSpPr>
+          <p:cNvPr id="3" name="Content Placeholder 2">
+            <a:extLst>
+              <a:ext uri="{FF2B5EF4-FFF2-40B4-BE49-F238E27FC236}">
+                <a16:creationId xmlns:a16="http://schemas.microsoft.com/office/drawing/2014/main" id="{DAC2DC17-3690-40D0-AEE8-0B33BDDCD1F7}"/>
+              </a:ext>
+            </a:extLst>
+          </p:cNvPr>
+          <p:cNvSpPr>
+            <a:spLocks noGrp="1"/>
+          </p:cNvSpPr>
+          <p:nvPr>
+            <p:ph idx="1"/>
+          </p:nvPr>
+        </p:nvSpPr>
+        <p:spPr/>
+        <p:txBody>
+          <a:bodyPr/>
+          <a:lstStyle/>
+          <a:p>
+            <a:endParaRPr lang="en-CH"/>
+          </a:p>
+        </p:txBody>
+      </p:sp>
+    </p:spTree>
+    <p:extLst>
+      <p:ext uri="{BB962C8B-B14F-4D97-AF65-F5344CB8AC3E}">
+        <p14:creationId xmlns:p14="http://schemas.microsoft.com/office/powerpoint/2010/main" val="1857717566"/>
+      </p:ext>
+    </p:extLst>
+  </p:cSld>
+  <p:clrMapOvr>
+    <a:masterClrMapping/>
+  </p:clrMapOvr>
+</p:sld>
+</file>
+
+<file path=ppt/slides/slide23.xml><?xml version="1.0" encoding="utf-8"?>
+<p:sld xmlns:a="http://schemas.openxmlformats.org/drawingml/2006/main" xmlns:r="http://schemas.openxmlformats.org/officeDocument/2006/relationships" xmlns:p="http://schemas.openxmlformats.org/presentationml/2006/main">
+  <p:cSld>
+    <p:spTree>
+      <p:nvGrpSpPr>
+        <p:cNvPr id="1" name=""/>
+        <p:cNvGrpSpPr/>
+        <p:nvPr/>
+      </p:nvGrpSpPr>
+      <p:grpSpPr>
+        <a:xfrm>
+          <a:off x="0" y="0"/>
+          <a:ext cx="0" cy="0"/>
+          <a:chOff x="0" y="0"/>
+          <a:chExt cx="0" cy="0"/>
+        </a:xfrm>
+      </p:grpSpPr>
+      <p:sp>
+        <p:nvSpPr>
+          <p:cNvPr id="2" name="Title 1">
+            <a:extLst>
+              <a:ext uri="{FF2B5EF4-FFF2-40B4-BE49-F238E27FC236}">
+                <a16:creationId xmlns:a16="http://schemas.microsoft.com/office/drawing/2014/main" id="{B84EDB2C-AA84-4C71-8157-A1A3B5ABD43C}"/>
+              </a:ext>
+            </a:extLst>
+          </p:cNvPr>
+          <p:cNvSpPr>
+            <a:spLocks noGrp="1"/>
+          </p:cNvSpPr>
+          <p:nvPr>
+            <p:ph type="title"/>
+          </p:nvPr>
+        </p:nvSpPr>
+        <p:spPr/>
+        <p:txBody>
+          <a:bodyPr/>
+          <a:lstStyle/>
+          <a:p>
+            <a:r>
+              <a:rPr lang="en-GB" dirty="0"/>
+              <a:t>LMC Observation</a:t>
+            </a:r>
+            <a:endParaRPr lang="en-CH" dirty="0"/>
+          </a:p>
+        </p:txBody>
+      </p:sp>
+      <p:sp>
+        <p:nvSpPr>
+          <p:cNvPr id="7" name="Content Placeholder 6">
+            <a:extLst>
+              <a:ext uri="{FF2B5EF4-FFF2-40B4-BE49-F238E27FC236}">
+                <a16:creationId xmlns:a16="http://schemas.microsoft.com/office/drawing/2014/main" id="{BBEF5443-67D5-4D90-91D2-DC5A8D801AE1}"/>
+              </a:ext>
+            </a:extLst>
+          </p:cNvPr>
+          <p:cNvSpPr>
+            <a:spLocks noGrp="1"/>
+          </p:cNvSpPr>
+          <p:nvPr>
+            <p:ph idx="1"/>
+          </p:nvPr>
+        </p:nvSpPr>
+        <p:spPr/>
+        <p:txBody>
+          <a:bodyPr/>
+          <a:lstStyle/>
+          <a:p>
+            <a:endParaRPr lang="en-CH"/>
+          </a:p>
+        </p:txBody>
+      </p:sp>
+    </p:spTree>
+    <p:extLst>
+      <p:ext uri="{BB962C8B-B14F-4D97-AF65-F5344CB8AC3E}">
+        <p14:creationId xmlns:p14="http://schemas.microsoft.com/office/powerpoint/2010/main" val="4137743472"/>
+      </p:ext>
+    </p:extLst>
+  </p:cSld>
+  <p:clrMapOvr>
+    <a:masterClrMapping/>
+  </p:clrMapOvr>
+</p:sld>
+</file>
+
+<file path=ppt/slides/slide24.xml><?xml version="1.0" encoding="utf-8"?>
+<p:sld xmlns:a="http://schemas.openxmlformats.org/drawingml/2006/main" xmlns:r="http://schemas.openxmlformats.org/officeDocument/2006/relationships" xmlns:p="http://schemas.openxmlformats.org/presentationml/2006/main">
+  <p:cSld>
+    <p:spTree>
+      <p:nvGrpSpPr>
+        <p:cNvPr id="1" name=""/>
+        <p:cNvGrpSpPr/>
+        <p:nvPr/>
+      </p:nvGrpSpPr>
+      <p:grpSpPr>
+        <a:xfrm>
+          <a:off x="0" y="0"/>
+          <a:ext cx="0" cy="0"/>
+          <a:chOff x="0" y="0"/>
+          <a:chExt cx="0" cy="0"/>
+        </a:xfrm>
+      </p:grpSpPr>
+      <p:sp>
+        <p:nvSpPr>
+          <p:cNvPr id="2" name="Title 1">
+            <a:extLst>
+              <a:ext uri="{FF2B5EF4-FFF2-40B4-BE49-F238E27FC236}">
                 <a16:creationId xmlns:a16="http://schemas.microsoft.com/office/drawing/2014/main" id="{FCED1D30-FFD1-4F35-BD46-A5C1097FAAAE}"/>
               </a:ext>
             </a:extLst>
@@ -4590,7 +4923,7 @@
 </p:sld>
 </file>
 
-<file path=ppt/slides/slide22.xml><?xml version="1.0" encoding="utf-8"?>
+<file path=ppt/slides/slide25.xml><?xml version="1.0" encoding="utf-8"?>
 <p:sld xmlns:a="http://schemas.openxmlformats.org/drawingml/2006/main" xmlns:r="http://schemas.openxmlformats.org/officeDocument/2006/relationships" xmlns:p="http://schemas.openxmlformats.org/presentationml/2006/main">
   <p:cSld>
     <p:spTree>
@@ -4788,7 +5121,7 @@
 </p:sld>
 </file>
 
-<file path=ppt/slides/slide23.xml><?xml version="1.0" encoding="utf-8"?>
+<file path=ppt/slides/slide26.xml><?xml version="1.0" encoding="utf-8"?>
 <p:sld xmlns:a="http://schemas.openxmlformats.org/drawingml/2006/main" xmlns:r="http://schemas.openxmlformats.org/officeDocument/2006/relationships" xmlns:p="http://schemas.openxmlformats.org/presentationml/2006/main">
   <p:cSld>
     <p:spTree>
@@ -4950,7 +5283,7 @@
 </p:sld>
 </file>
 
-<file path=ppt/slides/slide24.xml><?xml version="1.0" encoding="utf-8"?>
+<file path=ppt/slides/slide27.xml><?xml version="1.0" encoding="utf-8"?>
 <p:sld xmlns:a="http://schemas.openxmlformats.org/drawingml/2006/main" xmlns:r="http://schemas.openxmlformats.org/officeDocument/2006/relationships" xmlns:p="http://schemas.openxmlformats.org/presentationml/2006/main">
   <p:cSld>
     <p:spTree>
@@ -5127,7 +5460,7 @@
         </p:blipFill>
         <p:spPr>
           <a:xfrm>
-            <a:off x="727865" y="3425969"/>
+            <a:off x="999048" y="3425969"/>
             <a:ext cx="4572009" cy="4572009"/>
           </a:xfrm>
           <a:prstGeom prst="rect">
@@ -5148,7 +5481,7 @@
 </p:sld>
 </file>
 
-<file path=ppt/slides/slide25.xml><?xml version="1.0" encoding="utf-8"?>
+<file path=ppt/slides/slide28.xml><?xml version="1.0" encoding="utf-8"?>
 <p:sld xmlns:a="http://schemas.openxmlformats.org/drawingml/2006/main" xmlns:r="http://schemas.openxmlformats.org/officeDocument/2006/relationships" xmlns:p="http://schemas.openxmlformats.org/presentationml/2006/main">
   <p:cSld>
     <p:spTree>
@@ -5310,356 +5643,6 @@
 </p:sld>
 </file>
 
-<file path=ppt/slides/slide26.xml><?xml version="1.0" encoding="utf-8"?>
-<p:sld xmlns:a="http://schemas.openxmlformats.org/drawingml/2006/main" xmlns:r="http://schemas.openxmlformats.org/officeDocument/2006/relationships" xmlns:p="http://schemas.openxmlformats.org/presentationml/2006/main">
-  <p:cSld>
-    <p:spTree>
-      <p:nvGrpSpPr>
-        <p:cNvPr id="1" name=""/>
-        <p:cNvGrpSpPr/>
-        <p:nvPr/>
-      </p:nvGrpSpPr>
-      <p:grpSpPr>
-        <a:xfrm>
-          <a:off x="0" y="0"/>
-          <a:ext cx="0" cy="0"/>
-          <a:chOff x="0" y="0"/>
-          <a:chExt cx="0" cy="0"/>
-        </a:xfrm>
-      </p:grpSpPr>
-      <p:sp>
-        <p:nvSpPr>
-          <p:cNvPr id="2" name="Title 1">
-            <a:extLst>
-              <a:ext uri="{FF2B5EF4-FFF2-40B4-BE49-F238E27FC236}">
-                <a16:creationId xmlns:a16="http://schemas.microsoft.com/office/drawing/2014/main" id="{F61EBBBE-BDB7-4A59-849D-B5AA6CF5A294}"/>
-              </a:ext>
-            </a:extLst>
-          </p:cNvPr>
-          <p:cNvSpPr>
-            <a:spLocks noGrp="1"/>
-          </p:cNvSpPr>
-          <p:nvPr>
-            <p:ph type="title"/>
-          </p:nvPr>
-        </p:nvSpPr>
-        <p:spPr/>
-        <p:txBody>
-          <a:bodyPr/>
-          <a:lstStyle/>
-          <a:p>
-            <a:r>
-              <a:rPr lang="en-GB" dirty="0"/>
-              <a:t>Speedup PCDM</a:t>
-            </a:r>
-            <a:endParaRPr lang="en-CH" dirty="0"/>
-          </a:p>
-        </p:txBody>
-      </p:sp>
-      <p:pic>
-        <p:nvPicPr>
-          <p:cNvPr id="5" name="Content Placeholder 4" descr="A close up of a map&#10;&#10;Description automatically generated">
-            <a:extLst>
-              <a:ext uri="{FF2B5EF4-FFF2-40B4-BE49-F238E27FC236}">
-                <a16:creationId xmlns:a16="http://schemas.microsoft.com/office/drawing/2014/main" id="{81524321-563F-4215-B863-8AF214EF0F22}"/>
-              </a:ext>
-            </a:extLst>
-          </p:cNvPr>
-          <p:cNvPicPr>
-            <a:picLocks noGrp="1" noChangeAspect="1"/>
-          </p:cNvPicPr>
-          <p:nvPr>
-            <p:ph idx="1"/>
-          </p:nvPr>
-        </p:nvPicPr>
-        <p:blipFill>
-          <a:blip r:embed="rId2">
-            <a:extLst>
-              <a:ext uri="{28A0092B-C50C-407E-A947-70E740481C1C}">
-                <a14:useLocalDpi xmlns:a14="http://schemas.microsoft.com/office/drawing/2010/main" val="0"/>
-              </a:ext>
-            </a:extLst>
-          </a:blip>
-          <a:stretch>
-            <a:fillRect/>
-          </a:stretch>
-        </p:blipFill>
-        <p:spPr>
-          <a:xfrm>
-            <a:off x="3352598" y="2172359"/>
-            <a:ext cx="5486803" cy="3657869"/>
-          </a:xfrm>
-        </p:spPr>
-      </p:pic>
-    </p:spTree>
-    <p:extLst>
-      <p:ext uri="{BB962C8B-B14F-4D97-AF65-F5344CB8AC3E}">
-        <p14:creationId xmlns:p14="http://schemas.microsoft.com/office/powerpoint/2010/main" val="2630475709"/>
-      </p:ext>
-    </p:extLst>
-  </p:cSld>
-  <p:clrMapOvr>
-    <a:masterClrMapping/>
-  </p:clrMapOvr>
-</p:sld>
-</file>
-
-<file path=ppt/slides/slide27.xml><?xml version="1.0" encoding="utf-8"?>
-<p:sld xmlns:a="http://schemas.openxmlformats.org/drawingml/2006/main" xmlns:r="http://schemas.openxmlformats.org/officeDocument/2006/relationships" xmlns:p="http://schemas.openxmlformats.org/presentationml/2006/main">
-  <p:cSld>
-    <p:spTree>
-      <p:nvGrpSpPr>
-        <p:cNvPr id="1" name=""/>
-        <p:cNvGrpSpPr/>
-        <p:nvPr/>
-      </p:nvGrpSpPr>
-      <p:grpSpPr>
-        <a:xfrm>
-          <a:off x="0" y="0"/>
-          <a:ext cx="0" cy="0"/>
-          <a:chOff x="0" y="0"/>
-          <a:chExt cx="0" cy="0"/>
-        </a:xfrm>
-      </p:grpSpPr>
-      <p:sp>
-        <p:nvSpPr>
-          <p:cNvPr id="2" name="Title 1">
-            <a:extLst>
-              <a:ext uri="{FF2B5EF4-FFF2-40B4-BE49-F238E27FC236}">
-                <a16:creationId xmlns:a16="http://schemas.microsoft.com/office/drawing/2014/main" id="{F59FB353-C814-4CD0-8E52-3E6C5F80C968}"/>
-              </a:ext>
-            </a:extLst>
-          </p:cNvPr>
-          <p:cNvSpPr>
-            <a:spLocks noGrp="1"/>
-          </p:cNvSpPr>
-          <p:nvPr>
-            <p:ph type="title"/>
-          </p:nvPr>
-        </p:nvSpPr>
-        <p:spPr/>
-        <p:txBody>
-          <a:bodyPr/>
-          <a:lstStyle/>
-          <a:p>
-            <a:endParaRPr lang="en-CH"/>
-          </a:p>
-        </p:txBody>
-      </p:sp>
-      <p:pic>
-        <p:nvPicPr>
-          <p:cNvPr id="5" name="Content Placeholder 4" descr="A screenshot of a map&#10;&#10;Description automatically generated">
-            <a:extLst>
-              <a:ext uri="{FF2B5EF4-FFF2-40B4-BE49-F238E27FC236}">
-                <a16:creationId xmlns:a16="http://schemas.microsoft.com/office/drawing/2014/main" id="{7D4F76FD-AB0A-4413-AAD7-893763CA2AFC}"/>
-              </a:ext>
-            </a:extLst>
-          </p:cNvPr>
-          <p:cNvPicPr>
-            <a:picLocks noGrp="1" noChangeAspect="1"/>
-          </p:cNvPicPr>
-          <p:nvPr>
-            <p:ph idx="1"/>
-          </p:nvPr>
-        </p:nvPicPr>
-        <p:blipFill>
-          <a:blip r:embed="rId2">
-            <a:extLst>
-              <a:ext uri="{28A0092B-C50C-407E-A947-70E740481C1C}">
-                <a14:useLocalDpi xmlns:a14="http://schemas.microsoft.com/office/drawing/2010/main" val="0"/>
-              </a:ext>
-            </a:extLst>
-          </a:blip>
-          <a:stretch>
-            <a:fillRect/>
-          </a:stretch>
-        </p:blipFill>
-        <p:spPr>
-          <a:xfrm>
-            <a:off x="3352598" y="2172359"/>
-            <a:ext cx="5486803" cy="3657869"/>
-          </a:xfrm>
-        </p:spPr>
-      </p:pic>
-    </p:spTree>
-    <p:extLst>
-      <p:ext uri="{BB962C8B-B14F-4D97-AF65-F5344CB8AC3E}">
-        <p14:creationId xmlns:p14="http://schemas.microsoft.com/office/powerpoint/2010/main" val="3903014160"/>
-      </p:ext>
-    </p:extLst>
-  </p:cSld>
-  <p:clrMapOvr>
-    <a:masterClrMapping/>
-  </p:clrMapOvr>
-</p:sld>
-</file>
-
-<file path=ppt/slides/slide28.xml><?xml version="1.0" encoding="utf-8"?>
-<p:sld xmlns:a="http://schemas.openxmlformats.org/drawingml/2006/main" xmlns:r="http://schemas.openxmlformats.org/officeDocument/2006/relationships" xmlns:p="http://schemas.openxmlformats.org/presentationml/2006/main">
-  <p:cSld>
-    <p:spTree>
-      <p:nvGrpSpPr>
-        <p:cNvPr id="1" name=""/>
-        <p:cNvGrpSpPr/>
-        <p:nvPr/>
-      </p:nvGrpSpPr>
-      <p:grpSpPr>
-        <a:xfrm>
-          <a:off x="0" y="0"/>
-          <a:ext cx="0" cy="0"/>
-          <a:chOff x="0" y="0"/>
-          <a:chExt cx="0" cy="0"/>
-        </a:xfrm>
-      </p:grpSpPr>
-      <p:sp>
-        <p:nvSpPr>
-          <p:cNvPr id="2" name="Title 1">
-            <a:extLst>
-              <a:ext uri="{FF2B5EF4-FFF2-40B4-BE49-F238E27FC236}">
-                <a16:creationId xmlns:a16="http://schemas.microsoft.com/office/drawing/2014/main" id="{40251869-DAAA-4DA5-ABF3-15618DEA0FDF}"/>
-              </a:ext>
-            </a:extLst>
-          </p:cNvPr>
-          <p:cNvSpPr>
-            <a:spLocks noGrp="1"/>
-          </p:cNvSpPr>
-          <p:nvPr>
-            <p:ph type="title"/>
-          </p:nvPr>
-        </p:nvSpPr>
-        <p:spPr/>
-        <p:txBody>
-          <a:bodyPr/>
-          <a:lstStyle/>
-          <a:p>
-            <a:r>
-              <a:rPr lang="en-GB" dirty="0"/>
-              <a:t>Scalability</a:t>
-            </a:r>
-            <a:endParaRPr lang="en-CH" dirty="0"/>
-          </a:p>
-        </p:txBody>
-      </p:sp>
-      <p:pic>
-        <p:nvPicPr>
-          <p:cNvPr id="5" name="Content Placeholder 4" descr="A close up of a person&#10;&#10;Description automatically generated">
-            <a:extLst>
-              <a:ext uri="{FF2B5EF4-FFF2-40B4-BE49-F238E27FC236}">
-                <a16:creationId xmlns:a16="http://schemas.microsoft.com/office/drawing/2014/main" id="{0E0C2286-7A8B-4D83-934E-7204C2221405}"/>
-              </a:ext>
-            </a:extLst>
-          </p:cNvPr>
-          <p:cNvPicPr>
-            <a:picLocks noGrp="1" noChangeAspect="1"/>
-          </p:cNvPicPr>
-          <p:nvPr>
-            <p:ph idx="1"/>
-          </p:nvPr>
-        </p:nvPicPr>
-        <p:blipFill>
-          <a:blip r:embed="rId2">
-            <a:extLst>
-              <a:ext uri="{28A0092B-C50C-407E-A947-70E740481C1C}">
-                <a14:useLocalDpi xmlns:a14="http://schemas.microsoft.com/office/drawing/2010/main" val="0"/>
-              </a:ext>
-            </a:extLst>
-          </a:blip>
-          <a:stretch>
-            <a:fillRect/>
-          </a:stretch>
-        </p:blipFill>
-        <p:spPr>
-          <a:xfrm>
-            <a:off x="1360630" y="2577341"/>
-            <a:ext cx="2286168" cy="2743401"/>
-          </a:xfrm>
-        </p:spPr>
-      </p:pic>
-      <p:pic>
-        <p:nvPicPr>
-          <p:cNvPr id="7" name="Picture 6" descr="A close up of a person&#10;&#10;Description automatically generated">
-            <a:extLst>
-              <a:ext uri="{FF2B5EF4-FFF2-40B4-BE49-F238E27FC236}">
-                <a16:creationId xmlns:a16="http://schemas.microsoft.com/office/drawing/2014/main" id="{9F225A22-B054-4D0E-8CE9-DE80166C920F}"/>
-              </a:ext>
-            </a:extLst>
-          </p:cNvPr>
-          <p:cNvPicPr>
-            <a:picLocks noChangeAspect="1"/>
-          </p:cNvPicPr>
-          <p:nvPr/>
-        </p:nvPicPr>
-        <p:blipFill>
-          <a:blip r:embed="rId3">
-            <a:extLst>
-              <a:ext uri="{28A0092B-C50C-407E-A947-70E740481C1C}">
-                <a14:useLocalDpi xmlns:a14="http://schemas.microsoft.com/office/drawing/2010/main" val="0"/>
-              </a:ext>
-            </a:extLst>
-          </a:blip>
-          <a:stretch>
-            <a:fillRect/>
-          </a:stretch>
-        </p:blipFill>
-        <p:spPr>
-          <a:xfrm>
-            <a:off x="7545810" y="1898072"/>
-            <a:ext cx="2286168" cy="2743401"/>
-          </a:xfrm>
-          <a:prstGeom prst="rect">
-            <a:avLst/>
-          </a:prstGeom>
-        </p:spPr>
-      </p:pic>
-      <p:pic>
-        <p:nvPicPr>
-          <p:cNvPr id="9" name="Picture 8" descr="A picture containing photo, phone, man&#10;&#10;Description automatically generated">
-            <a:extLst>
-              <a:ext uri="{FF2B5EF4-FFF2-40B4-BE49-F238E27FC236}">
-                <a16:creationId xmlns:a16="http://schemas.microsoft.com/office/drawing/2014/main" id="{36C8BC5F-195C-4DE7-8663-7247A3678BC8}"/>
-              </a:ext>
-            </a:extLst>
-          </p:cNvPr>
-          <p:cNvPicPr>
-            <a:picLocks noChangeAspect="1"/>
-          </p:cNvPicPr>
-          <p:nvPr/>
-        </p:nvPicPr>
-        <p:blipFill>
-          <a:blip r:embed="rId4">
-            <a:extLst>
-              <a:ext uri="{28A0092B-C50C-407E-A947-70E740481C1C}">
-                <a14:useLocalDpi xmlns:a14="http://schemas.microsoft.com/office/drawing/2010/main" val="0"/>
-              </a:ext>
-            </a:extLst>
-          </a:blip>
-          <a:stretch>
-            <a:fillRect/>
-          </a:stretch>
-        </p:blipFill>
-        <p:spPr>
-          <a:xfrm>
-            <a:off x="4952916" y="1898073"/>
-            <a:ext cx="2286168" cy="2743401"/>
-          </a:xfrm>
-          <a:prstGeom prst="rect">
-            <a:avLst/>
-          </a:prstGeom>
-        </p:spPr>
-      </p:pic>
-    </p:spTree>
-    <p:extLst>
-      <p:ext uri="{BB962C8B-B14F-4D97-AF65-F5344CB8AC3E}">
-        <p14:creationId xmlns:p14="http://schemas.microsoft.com/office/powerpoint/2010/main" val="495008855"/>
-      </p:ext>
-    </p:extLst>
-  </p:cSld>
-  <p:clrMapOvr>
-    <a:masterClrMapping/>
-  </p:clrMapOvr>
-</p:sld>
-</file>
-
 <file path=ppt/slides/slide29.xml><?xml version="1.0" encoding="utf-8"?>
 <p:sld xmlns:a="http://schemas.openxmlformats.org/drawingml/2006/main" xmlns:r="http://schemas.openxmlformats.org/officeDocument/2006/relationships" xmlns:p="http://schemas.openxmlformats.org/presentationml/2006/main">
   <p:cSld>
@@ -5682,7 +5665,7 @@
           <p:cNvPr id="2" name="Title 1">
             <a:extLst>
               <a:ext uri="{FF2B5EF4-FFF2-40B4-BE49-F238E27FC236}">
-                <a16:creationId xmlns:a16="http://schemas.microsoft.com/office/drawing/2014/main" id="{7C120B26-6776-4452-85FE-52271E36C79E}"/>
+                <a16:creationId xmlns:a16="http://schemas.microsoft.com/office/drawing/2014/main" id="{F61EBBBE-BDB7-4A59-849D-B5AA6CF5A294}"/>
               </a:ext>
             </a:extLst>
           </p:cNvPr>
@@ -5700,45 +5683,51 @@
           <a:p>
             <a:r>
               <a:rPr lang="en-GB" dirty="0"/>
-              <a:t>Test</a:t>
+              <a:t>Speedup PCDM</a:t>
             </a:r>
             <a:endParaRPr lang="en-CH" dirty="0"/>
           </a:p>
         </p:txBody>
       </p:sp>
-      <p:sp>
-        <p:nvSpPr>
-          <p:cNvPr id="3" name="Content Placeholder 2">
-            <a:extLst>
-              <a:ext uri="{FF2B5EF4-FFF2-40B4-BE49-F238E27FC236}">
-                <a16:creationId xmlns:a16="http://schemas.microsoft.com/office/drawing/2014/main" id="{BE358B66-F993-468A-B9B1-F9AF8C273B17}"/>
-              </a:ext>
-            </a:extLst>
-          </p:cNvPr>
-          <p:cNvSpPr>
-            <a:spLocks noGrp="1"/>
-          </p:cNvSpPr>
+      <p:pic>
+        <p:nvPicPr>
+          <p:cNvPr id="5" name="Content Placeholder 4" descr="A close up of a map&#10;&#10;Description automatically generated">
+            <a:extLst>
+              <a:ext uri="{FF2B5EF4-FFF2-40B4-BE49-F238E27FC236}">
+                <a16:creationId xmlns:a16="http://schemas.microsoft.com/office/drawing/2014/main" id="{81524321-563F-4215-B863-8AF214EF0F22}"/>
+              </a:ext>
+            </a:extLst>
+          </p:cNvPr>
+          <p:cNvPicPr>
+            <a:picLocks noGrp="1" noChangeAspect="1"/>
+          </p:cNvPicPr>
           <p:nvPr>
             <p:ph idx="1"/>
           </p:nvPr>
-        </p:nvSpPr>
-        <p:spPr/>
-        <p:txBody>
-          <a:bodyPr/>
-          <a:lstStyle/>
-          <a:p>
-            <a:r>
-              <a:rPr lang="en-GB" dirty="0"/>
-              <a:t>Table</a:t>
-            </a:r>
-            <a:endParaRPr lang="en-CH" dirty="0"/>
-          </a:p>
-        </p:txBody>
-      </p:sp>
+        </p:nvPicPr>
+        <p:blipFill>
+          <a:blip r:embed="rId2">
+            <a:extLst>
+              <a:ext uri="{28A0092B-C50C-407E-A947-70E740481C1C}">
+                <a14:useLocalDpi xmlns:a14="http://schemas.microsoft.com/office/drawing/2010/main" val="0"/>
+              </a:ext>
+            </a:extLst>
+          </a:blip>
+          <a:stretch>
+            <a:fillRect/>
+          </a:stretch>
+        </p:blipFill>
+        <p:spPr>
+          <a:xfrm>
+            <a:off x="3352598" y="2172359"/>
+            <a:ext cx="5486803" cy="3657869"/>
+          </a:xfrm>
+        </p:spPr>
+      </p:pic>
     </p:spTree>
     <p:extLst>
       <p:ext uri="{BB962C8B-B14F-4D97-AF65-F5344CB8AC3E}">
-        <p14:creationId xmlns:p14="http://schemas.microsoft.com/office/powerpoint/2010/main" val="3256254281"/>
+        <p14:creationId xmlns:p14="http://schemas.microsoft.com/office/powerpoint/2010/main" val="2630475709"/>
       </p:ext>
     </p:extLst>
   </p:cSld>
@@ -5854,6 +5843,350 @@
           <p:cNvPr id="2" name="Title 1">
             <a:extLst>
               <a:ext uri="{FF2B5EF4-FFF2-40B4-BE49-F238E27FC236}">
+                <a16:creationId xmlns:a16="http://schemas.microsoft.com/office/drawing/2014/main" id="{F59FB353-C814-4CD0-8E52-3E6C5F80C968}"/>
+              </a:ext>
+            </a:extLst>
+          </p:cNvPr>
+          <p:cNvSpPr>
+            <a:spLocks noGrp="1"/>
+          </p:cNvSpPr>
+          <p:nvPr>
+            <p:ph type="title"/>
+          </p:nvPr>
+        </p:nvSpPr>
+        <p:spPr/>
+        <p:txBody>
+          <a:bodyPr/>
+          <a:lstStyle/>
+          <a:p>
+            <a:endParaRPr lang="en-CH"/>
+          </a:p>
+        </p:txBody>
+      </p:sp>
+      <p:pic>
+        <p:nvPicPr>
+          <p:cNvPr id="5" name="Content Placeholder 4" descr="A screenshot of a map&#10;&#10;Description automatically generated">
+            <a:extLst>
+              <a:ext uri="{FF2B5EF4-FFF2-40B4-BE49-F238E27FC236}">
+                <a16:creationId xmlns:a16="http://schemas.microsoft.com/office/drawing/2014/main" id="{7D4F76FD-AB0A-4413-AAD7-893763CA2AFC}"/>
+              </a:ext>
+            </a:extLst>
+          </p:cNvPr>
+          <p:cNvPicPr>
+            <a:picLocks noGrp="1" noChangeAspect="1"/>
+          </p:cNvPicPr>
+          <p:nvPr>
+            <p:ph idx="1"/>
+          </p:nvPr>
+        </p:nvPicPr>
+        <p:blipFill>
+          <a:blip r:embed="rId2">
+            <a:extLst>
+              <a:ext uri="{28A0092B-C50C-407E-A947-70E740481C1C}">
+                <a14:useLocalDpi xmlns:a14="http://schemas.microsoft.com/office/drawing/2010/main" val="0"/>
+              </a:ext>
+            </a:extLst>
+          </a:blip>
+          <a:stretch>
+            <a:fillRect/>
+          </a:stretch>
+        </p:blipFill>
+        <p:spPr>
+          <a:xfrm>
+            <a:off x="3352598" y="2172359"/>
+            <a:ext cx="5486803" cy="3657869"/>
+          </a:xfrm>
+        </p:spPr>
+      </p:pic>
+    </p:spTree>
+    <p:extLst>
+      <p:ext uri="{BB962C8B-B14F-4D97-AF65-F5344CB8AC3E}">
+        <p14:creationId xmlns:p14="http://schemas.microsoft.com/office/powerpoint/2010/main" val="3903014160"/>
+      </p:ext>
+    </p:extLst>
+  </p:cSld>
+  <p:clrMapOvr>
+    <a:masterClrMapping/>
+  </p:clrMapOvr>
+</p:sld>
+</file>
+
+<file path=ppt/slides/slide31.xml><?xml version="1.0" encoding="utf-8"?>
+<p:sld xmlns:a="http://schemas.openxmlformats.org/drawingml/2006/main" xmlns:r="http://schemas.openxmlformats.org/officeDocument/2006/relationships" xmlns:p="http://schemas.openxmlformats.org/presentationml/2006/main">
+  <p:cSld>
+    <p:spTree>
+      <p:nvGrpSpPr>
+        <p:cNvPr id="1" name=""/>
+        <p:cNvGrpSpPr/>
+        <p:nvPr/>
+      </p:nvGrpSpPr>
+      <p:grpSpPr>
+        <a:xfrm>
+          <a:off x="0" y="0"/>
+          <a:ext cx="0" cy="0"/>
+          <a:chOff x="0" y="0"/>
+          <a:chExt cx="0" cy="0"/>
+        </a:xfrm>
+      </p:grpSpPr>
+      <p:sp>
+        <p:nvSpPr>
+          <p:cNvPr id="2" name="Title 1">
+            <a:extLst>
+              <a:ext uri="{FF2B5EF4-FFF2-40B4-BE49-F238E27FC236}">
+                <a16:creationId xmlns:a16="http://schemas.microsoft.com/office/drawing/2014/main" id="{40251869-DAAA-4DA5-ABF3-15618DEA0FDF}"/>
+              </a:ext>
+            </a:extLst>
+          </p:cNvPr>
+          <p:cNvSpPr>
+            <a:spLocks noGrp="1"/>
+          </p:cNvSpPr>
+          <p:nvPr>
+            <p:ph type="title"/>
+          </p:nvPr>
+        </p:nvSpPr>
+        <p:spPr/>
+        <p:txBody>
+          <a:bodyPr/>
+          <a:lstStyle/>
+          <a:p>
+            <a:r>
+              <a:rPr lang="en-GB" dirty="0"/>
+              <a:t>Scalability</a:t>
+            </a:r>
+            <a:endParaRPr lang="en-CH" dirty="0"/>
+          </a:p>
+        </p:txBody>
+      </p:sp>
+      <p:pic>
+        <p:nvPicPr>
+          <p:cNvPr id="5" name="Content Placeholder 4" descr="A close up of a person&#10;&#10;Description automatically generated">
+            <a:extLst>
+              <a:ext uri="{FF2B5EF4-FFF2-40B4-BE49-F238E27FC236}">
+                <a16:creationId xmlns:a16="http://schemas.microsoft.com/office/drawing/2014/main" id="{0E0C2286-7A8B-4D83-934E-7204C2221405}"/>
+              </a:ext>
+            </a:extLst>
+          </p:cNvPr>
+          <p:cNvPicPr>
+            <a:picLocks noGrp="1" noChangeAspect="1"/>
+          </p:cNvPicPr>
+          <p:nvPr>
+            <p:ph idx="1"/>
+          </p:nvPr>
+        </p:nvPicPr>
+        <p:blipFill>
+          <a:blip r:embed="rId2">
+            <a:extLst>
+              <a:ext uri="{28A0092B-C50C-407E-A947-70E740481C1C}">
+                <a14:useLocalDpi xmlns:a14="http://schemas.microsoft.com/office/drawing/2010/main" val="0"/>
+              </a:ext>
+            </a:extLst>
+          </a:blip>
+          <a:stretch>
+            <a:fillRect/>
+          </a:stretch>
+        </p:blipFill>
+        <p:spPr>
+          <a:xfrm>
+            <a:off x="548811" y="2070362"/>
+            <a:ext cx="3322487" cy="3986984"/>
+          </a:xfrm>
+        </p:spPr>
+      </p:pic>
+      <p:pic>
+        <p:nvPicPr>
+          <p:cNvPr id="7" name="Picture 6" descr="A close up of a person&#10;&#10;Description automatically generated">
+            <a:extLst>
+              <a:ext uri="{FF2B5EF4-FFF2-40B4-BE49-F238E27FC236}">
+                <a16:creationId xmlns:a16="http://schemas.microsoft.com/office/drawing/2014/main" id="{9F225A22-B054-4D0E-8CE9-DE80166C920F}"/>
+              </a:ext>
+            </a:extLst>
+          </p:cNvPr>
+          <p:cNvPicPr>
+            <a:picLocks noChangeAspect="1"/>
+          </p:cNvPicPr>
+          <p:nvPr/>
+        </p:nvPicPr>
+        <p:blipFill>
+          <a:blip r:embed="rId3">
+            <a:extLst>
+              <a:ext uri="{28A0092B-C50C-407E-A947-70E740481C1C}">
+                <a14:useLocalDpi xmlns:a14="http://schemas.microsoft.com/office/drawing/2010/main" val="0"/>
+              </a:ext>
+            </a:extLst>
+          </a:blip>
+          <a:stretch>
+            <a:fillRect/>
+          </a:stretch>
+        </p:blipFill>
+        <p:spPr>
+          <a:xfrm>
+            <a:off x="8031313" y="2070362"/>
+            <a:ext cx="3322487" cy="3986984"/>
+          </a:xfrm>
+          <a:prstGeom prst="rect">
+            <a:avLst/>
+          </a:prstGeom>
+        </p:spPr>
+      </p:pic>
+      <p:pic>
+        <p:nvPicPr>
+          <p:cNvPr id="9" name="Picture 8" descr="A picture containing photo, phone, man&#10;&#10;Description automatically generated">
+            <a:extLst>
+              <a:ext uri="{FF2B5EF4-FFF2-40B4-BE49-F238E27FC236}">
+                <a16:creationId xmlns:a16="http://schemas.microsoft.com/office/drawing/2014/main" id="{36C8BC5F-195C-4DE7-8663-7247A3678BC8}"/>
+              </a:ext>
+            </a:extLst>
+          </p:cNvPr>
+          <p:cNvPicPr>
+            <a:picLocks noChangeAspect="1"/>
+          </p:cNvPicPr>
+          <p:nvPr/>
+        </p:nvPicPr>
+        <p:blipFill>
+          <a:blip r:embed="rId4">
+            <a:extLst>
+              <a:ext uri="{28A0092B-C50C-407E-A947-70E740481C1C}">
+                <a14:useLocalDpi xmlns:a14="http://schemas.microsoft.com/office/drawing/2010/main" val="0"/>
+              </a:ext>
+            </a:extLst>
+          </a:blip>
+          <a:stretch>
+            <a:fillRect/>
+          </a:stretch>
+        </p:blipFill>
+        <p:spPr>
+          <a:xfrm>
+            <a:off x="4533774" y="2070362"/>
+            <a:ext cx="3322487" cy="3986984"/>
+          </a:xfrm>
+          <a:prstGeom prst="rect">
+            <a:avLst/>
+          </a:prstGeom>
+        </p:spPr>
+      </p:pic>
+    </p:spTree>
+    <p:extLst>
+      <p:ext uri="{BB962C8B-B14F-4D97-AF65-F5344CB8AC3E}">
+        <p14:creationId xmlns:p14="http://schemas.microsoft.com/office/powerpoint/2010/main" val="495008855"/>
+      </p:ext>
+    </p:extLst>
+  </p:cSld>
+  <p:clrMapOvr>
+    <a:masterClrMapping/>
+  </p:clrMapOvr>
+</p:sld>
+</file>
+
+<file path=ppt/slides/slide32.xml><?xml version="1.0" encoding="utf-8"?>
+<p:sld xmlns:a="http://schemas.openxmlformats.org/drawingml/2006/main" xmlns:r="http://schemas.openxmlformats.org/officeDocument/2006/relationships" xmlns:p="http://schemas.openxmlformats.org/presentationml/2006/main">
+  <p:cSld>
+    <p:spTree>
+      <p:nvGrpSpPr>
+        <p:cNvPr id="1" name=""/>
+        <p:cNvGrpSpPr/>
+        <p:nvPr/>
+      </p:nvGrpSpPr>
+      <p:grpSpPr>
+        <a:xfrm>
+          <a:off x="0" y="0"/>
+          <a:ext cx="0" cy="0"/>
+          <a:chOff x="0" y="0"/>
+          <a:chExt cx="0" cy="0"/>
+        </a:xfrm>
+      </p:grpSpPr>
+      <p:sp>
+        <p:nvSpPr>
+          <p:cNvPr id="2" name="Title 1">
+            <a:extLst>
+              <a:ext uri="{FF2B5EF4-FFF2-40B4-BE49-F238E27FC236}">
+                <a16:creationId xmlns:a16="http://schemas.microsoft.com/office/drawing/2014/main" id="{7C120B26-6776-4452-85FE-52271E36C79E}"/>
+              </a:ext>
+            </a:extLst>
+          </p:cNvPr>
+          <p:cNvSpPr>
+            <a:spLocks noGrp="1"/>
+          </p:cNvSpPr>
+          <p:nvPr>
+            <p:ph type="title"/>
+          </p:nvPr>
+        </p:nvSpPr>
+        <p:spPr/>
+        <p:txBody>
+          <a:bodyPr/>
+          <a:lstStyle/>
+          <a:p>
+            <a:r>
+              <a:rPr lang="en-GB" dirty="0"/>
+              <a:t>Test</a:t>
+            </a:r>
+            <a:endParaRPr lang="en-CH" dirty="0"/>
+          </a:p>
+        </p:txBody>
+      </p:sp>
+      <p:sp>
+        <p:nvSpPr>
+          <p:cNvPr id="3" name="Content Placeholder 2">
+            <a:extLst>
+              <a:ext uri="{FF2B5EF4-FFF2-40B4-BE49-F238E27FC236}">
+                <a16:creationId xmlns:a16="http://schemas.microsoft.com/office/drawing/2014/main" id="{BE358B66-F993-468A-B9B1-F9AF8C273B17}"/>
+              </a:ext>
+            </a:extLst>
+          </p:cNvPr>
+          <p:cNvSpPr>
+            <a:spLocks noGrp="1"/>
+          </p:cNvSpPr>
+          <p:nvPr>
+            <p:ph idx="1"/>
+          </p:nvPr>
+        </p:nvSpPr>
+        <p:spPr/>
+        <p:txBody>
+          <a:bodyPr/>
+          <a:lstStyle/>
+          <a:p>
+            <a:r>
+              <a:rPr lang="en-GB" dirty="0"/>
+              <a:t>Table</a:t>
+            </a:r>
+            <a:endParaRPr lang="en-CH" dirty="0"/>
+          </a:p>
+        </p:txBody>
+      </p:sp>
+    </p:spTree>
+    <p:extLst>
+      <p:ext uri="{BB962C8B-B14F-4D97-AF65-F5344CB8AC3E}">
+        <p14:creationId xmlns:p14="http://schemas.microsoft.com/office/powerpoint/2010/main" val="3256254281"/>
+      </p:ext>
+    </p:extLst>
+  </p:cSld>
+  <p:clrMapOvr>
+    <a:masterClrMapping/>
+  </p:clrMapOvr>
+</p:sld>
+</file>
+
+<file path=ppt/slides/slide33.xml><?xml version="1.0" encoding="utf-8"?>
+<p:sld xmlns:a="http://schemas.openxmlformats.org/drawingml/2006/main" xmlns:r="http://schemas.openxmlformats.org/officeDocument/2006/relationships" xmlns:p="http://schemas.openxmlformats.org/presentationml/2006/main">
+  <p:cSld>
+    <p:spTree>
+      <p:nvGrpSpPr>
+        <p:cNvPr id="1" name=""/>
+        <p:cNvGrpSpPr/>
+        <p:nvPr/>
+      </p:nvGrpSpPr>
+      <p:grpSpPr>
+        <a:xfrm>
+          <a:off x="0" y="0"/>
+          <a:ext cx="0" cy="0"/>
+          <a:chOff x="0" y="0"/>
+          <a:chExt cx="0" cy="0"/>
+        </a:xfrm>
+      </p:grpSpPr>
+      <p:sp>
+        <p:nvSpPr>
+          <p:cNvPr id="2" name="Title 1">
+            <a:extLst>
+              <a:ext uri="{FF2B5EF4-FFF2-40B4-BE49-F238E27FC236}">
                 <a16:creationId xmlns:a16="http://schemas.microsoft.com/office/drawing/2014/main" id="{004C013B-9103-4B7B-9693-E95CDD62515C}"/>
               </a:ext>
             </a:extLst>
@@ -5916,7 +6249,7 @@
 </p:sld>
 </file>
 
-<file path=ppt/slides/slide31.xml><?xml version="1.0" encoding="utf-8"?>
+<file path=ppt/slides/slide34.xml><?xml version="1.0" encoding="utf-8"?>
 <p:sld xmlns:a="http://schemas.openxmlformats.org/drawingml/2006/main" xmlns:r="http://schemas.openxmlformats.org/officeDocument/2006/relationships" xmlns:p="http://schemas.openxmlformats.org/presentationml/2006/main">
   <p:cSld>
     <p:spTree>
@@ -6106,7 +6439,7 @@
           <p:cNvPr id="2" name="Title 1">
             <a:extLst>
               <a:ext uri="{FF2B5EF4-FFF2-40B4-BE49-F238E27FC236}">
-                <a16:creationId xmlns:a16="http://schemas.microsoft.com/office/drawing/2014/main" id="{F1E30A77-DD40-4A56-AD33-EC051C0AD2E8}"/>
+                <a16:creationId xmlns:a16="http://schemas.microsoft.com/office/drawing/2014/main" id="{1406411E-8185-4795-9340-CC5E2D95F1ED}"/>
               </a:ext>
             </a:extLst>
           </p:cNvPr>
@@ -6130,35 +6463,117 @@
           </a:p>
         </p:txBody>
       </p:sp>
-      <p:sp>
-        <p:nvSpPr>
-          <p:cNvPr id="3" name="Content Placeholder 2">
-            <a:extLst>
-              <a:ext uri="{FF2B5EF4-FFF2-40B4-BE49-F238E27FC236}">
-                <a16:creationId xmlns:a16="http://schemas.microsoft.com/office/drawing/2014/main" id="{71639B8B-88CE-456C-B776-F3B72AEADC86}"/>
-              </a:ext>
-            </a:extLst>
-          </p:cNvPr>
-          <p:cNvSpPr>
-            <a:spLocks noGrp="1"/>
-          </p:cNvSpPr>
+      <p:pic>
+        <p:nvPicPr>
+          <p:cNvPr id="5" name="Content Placeholder 4" descr="A picture containing object, star, green, sitting&#10;&#10;Description automatically generated">
+            <a:extLst>
+              <a:ext uri="{FF2B5EF4-FFF2-40B4-BE49-F238E27FC236}">
+                <a16:creationId xmlns:a16="http://schemas.microsoft.com/office/drawing/2014/main" id="{87400E4A-B65B-4EF6-88EE-94C31FFB40E1}"/>
+              </a:ext>
+            </a:extLst>
+          </p:cNvPr>
+          <p:cNvPicPr>
+            <a:picLocks noGrp="1" noChangeAspect="1"/>
+          </p:cNvPicPr>
           <p:nvPr>
             <p:ph idx="1"/>
           </p:nvPr>
-        </p:nvSpPr>
-        <p:spPr/>
-        <p:txBody>
-          <a:bodyPr/>
-          <a:lstStyle/>
-          <a:p>
-            <a:endParaRPr lang="en-CH"/>
-          </a:p>
-        </p:txBody>
-      </p:sp>
+        </p:nvPicPr>
+        <p:blipFill>
+          <a:blip r:embed="rId2">
+            <a:extLst>
+              <a:ext uri="{28A0092B-C50C-407E-A947-70E740481C1C}">
+                <a14:useLocalDpi xmlns:a14="http://schemas.microsoft.com/office/drawing/2010/main" val="0"/>
+              </a:ext>
+            </a:extLst>
+          </a:blip>
+          <a:stretch>
+            <a:fillRect/>
+          </a:stretch>
+        </p:blipFill>
+        <p:spPr>
+          <a:xfrm>
+            <a:off x="566054" y="2201517"/>
+            <a:ext cx="3657607" cy="3657607"/>
+          </a:xfrm>
+        </p:spPr>
+      </p:pic>
+      <p:pic>
+        <p:nvPicPr>
+          <p:cNvPr id="7" name="Picture 6" descr="A picture containing sitting, star, green, apple&#10;&#10;Description automatically generated">
+            <a:extLst>
+              <a:ext uri="{FF2B5EF4-FFF2-40B4-BE49-F238E27FC236}">
+                <a16:creationId xmlns:a16="http://schemas.microsoft.com/office/drawing/2014/main" id="{C97F2243-B555-4B8A-86F9-36D2291C2B0D}"/>
+              </a:ext>
+            </a:extLst>
+          </p:cNvPr>
+          <p:cNvPicPr>
+            <a:picLocks noChangeAspect="1"/>
+          </p:cNvPicPr>
+          <p:nvPr/>
+        </p:nvPicPr>
+        <p:blipFill>
+          <a:blip r:embed="rId3">
+            <a:extLst>
+              <a:ext uri="{28A0092B-C50C-407E-A947-70E740481C1C}">
+                <a14:useLocalDpi xmlns:a14="http://schemas.microsoft.com/office/drawing/2010/main" val="0"/>
+              </a:ext>
+            </a:extLst>
+          </a:blip>
+          <a:stretch>
+            <a:fillRect/>
+          </a:stretch>
+        </p:blipFill>
+        <p:spPr>
+          <a:xfrm>
+            <a:off x="4267197" y="2201517"/>
+            <a:ext cx="3657607" cy="3657607"/>
+          </a:xfrm>
+          <a:prstGeom prst="rect">
+            <a:avLst/>
+          </a:prstGeom>
+        </p:spPr>
+      </p:pic>
+      <p:pic>
+        <p:nvPicPr>
+          <p:cNvPr id="9" name="Picture 8" descr="A star in the background&#10;&#10;Description automatically generated">
+            <a:extLst>
+              <a:ext uri="{FF2B5EF4-FFF2-40B4-BE49-F238E27FC236}">
+                <a16:creationId xmlns:a16="http://schemas.microsoft.com/office/drawing/2014/main" id="{895BEB98-D716-4F68-90DB-A1FE46179313}"/>
+              </a:ext>
+            </a:extLst>
+          </p:cNvPr>
+          <p:cNvPicPr>
+            <a:picLocks noChangeAspect="1"/>
+          </p:cNvPicPr>
+          <p:nvPr/>
+        </p:nvPicPr>
+        <p:blipFill>
+          <a:blip r:embed="rId4">
+            <a:extLst>
+              <a:ext uri="{28A0092B-C50C-407E-A947-70E740481C1C}">
+                <a14:useLocalDpi xmlns:a14="http://schemas.microsoft.com/office/drawing/2010/main" val="0"/>
+              </a:ext>
+            </a:extLst>
+          </a:blip>
+          <a:stretch>
+            <a:fillRect/>
+          </a:stretch>
+        </p:blipFill>
+        <p:spPr>
+          <a:xfrm>
+            <a:off x="7968341" y="2201517"/>
+            <a:ext cx="3657607" cy="3657607"/>
+          </a:xfrm>
+          <a:prstGeom prst="rect">
+            <a:avLst/>
+          </a:prstGeom>
+        </p:spPr>
+      </p:pic>
     </p:spTree>
     <p:extLst>
       <p:ext uri="{BB962C8B-B14F-4D97-AF65-F5344CB8AC3E}">
-        <p14:creationId xmlns:p14="http://schemas.microsoft.com/office/powerpoint/2010/main" val="3262384465"/>
+        <p14:creationId xmlns:p14="http://schemas.microsoft.com/office/powerpoint/2010/main" val="1139938268"/>
       </p:ext>
     </p:extLst>
   </p:cSld>
@@ -6190,7 +6605,7 @@
           <p:cNvPr id="2" name="Title 1">
             <a:extLst>
               <a:ext uri="{FF2B5EF4-FFF2-40B4-BE49-F238E27FC236}">
-                <a16:creationId xmlns:a16="http://schemas.microsoft.com/office/drawing/2014/main" id="{0170057C-A6E5-460C-A710-F3F80CCE76A3}"/>
+                <a16:creationId xmlns:a16="http://schemas.microsoft.com/office/drawing/2014/main" id="{F1E30A77-DD40-4A56-AD33-EC051C0AD2E8}"/>
               </a:ext>
             </a:extLst>
           </p:cNvPr>
@@ -6208,41 +6623,87 @@
           <a:p>
             <a:r>
               <a:rPr lang="en-GB" dirty="0"/>
-              <a:t>CLEAN BEAM</a:t>
+              <a:t>CLEAN</a:t>
             </a:r>
             <a:endParaRPr lang="en-CH" dirty="0"/>
           </a:p>
         </p:txBody>
       </p:sp>
-      <p:sp>
-        <p:nvSpPr>
-          <p:cNvPr id="3" name="Content Placeholder 2">
-            <a:extLst>
-              <a:ext uri="{FF2B5EF4-FFF2-40B4-BE49-F238E27FC236}">
-                <a16:creationId xmlns:a16="http://schemas.microsoft.com/office/drawing/2014/main" id="{5664A940-11F3-4E96-94DF-5F2248BCAB66}"/>
-              </a:ext>
-            </a:extLst>
-          </p:cNvPr>
-          <p:cNvSpPr>
-            <a:spLocks noGrp="1"/>
-          </p:cNvSpPr>
+      <p:pic>
+        <p:nvPicPr>
+          <p:cNvPr id="5" name="Content Placeholder 4" descr="A star in the background&#10;&#10;Description automatically generated">
+            <a:extLst>
+              <a:ext uri="{FF2B5EF4-FFF2-40B4-BE49-F238E27FC236}">
+                <a16:creationId xmlns:a16="http://schemas.microsoft.com/office/drawing/2014/main" id="{30678A84-3206-436F-8601-583D9DF43F80}"/>
+              </a:ext>
+            </a:extLst>
+          </p:cNvPr>
+          <p:cNvPicPr>
+            <a:picLocks noGrp="1" noChangeAspect="1"/>
+          </p:cNvPicPr>
           <p:nvPr>
             <p:ph idx="1"/>
           </p:nvPr>
-        </p:nvSpPr>
-        <p:spPr/>
-        <p:txBody>
-          <a:bodyPr/>
-          <a:lstStyle/>
-          <a:p>
-            <a:endParaRPr lang="en-CH"/>
-          </a:p>
-        </p:txBody>
-      </p:sp>
+        </p:nvPicPr>
+        <p:blipFill>
+          <a:blip r:embed="rId2">
+            <a:extLst>
+              <a:ext uri="{28A0092B-C50C-407E-A947-70E740481C1C}">
+                <a14:useLocalDpi xmlns:a14="http://schemas.microsoft.com/office/drawing/2010/main" val="0"/>
+              </a:ext>
+            </a:extLst>
+          </a:blip>
+          <a:stretch>
+            <a:fillRect/>
+          </a:stretch>
+        </p:blipFill>
+        <p:spPr>
+          <a:xfrm>
+            <a:off x="1261285" y="1437258"/>
+            <a:ext cx="4948840" cy="4948840"/>
+          </a:xfrm>
+        </p:spPr>
+      </p:pic>
+      <p:pic>
+        <p:nvPicPr>
+          <p:cNvPr id="7" name="Picture 6" descr="A picture containing table&#10;&#10;Description automatically generated">
+            <a:extLst>
+              <a:ext uri="{FF2B5EF4-FFF2-40B4-BE49-F238E27FC236}">
+                <a16:creationId xmlns:a16="http://schemas.microsoft.com/office/drawing/2014/main" id="{CAA40884-91A5-408E-AC95-45AE35CB04F8}"/>
+              </a:ext>
+            </a:extLst>
+          </p:cNvPr>
+          <p:cNvPicPr>
+            <a:picLocks noChangeAspect="1"/>
+          </p:cNvPicPr>
+          <p:nvPr/>
+        </p:nvPicPr>
+        <p:blipFill>
+          <a:blip r:embed="rId3">
+            <a:extLst>
+              <a:ext uri="{28A0092B-C50C-407E-A947-70E740481C1C}">
+                <a14:useLocalDpi xmlns:a14="http://schemas.microsoft.com/office/drawing/2010/main" val="0"/>
+              </a:ext>
+            </a:extLst>
+          </a:blip>
+          <a:stretch>
+            <a:fillRect/>
+          </a:stretch>
+        </p:blipFill>
+        <p:spPr>
+          <a:xfrm>
+            <a:off x="6210125" y="1437258"/>
+            <a:ext cx="4948840" cy="4948840"/>
+          </a:xfrm>
+          <a:prstGeom prst="rect">
+            <a:avLst/>
+          </a:prstGeom>
+        </p:spPr>
+      </p:pic>
     </p:spTree>
     <p:extLst>
       <p:ext uri="{BB962C8B-B14F-4D97-AF65-F5344CB8AC3E}">
-        <p14:creationId xmlns:p14="http://schemas.microsoft.com/office/powerpoint/2010/main" val="2661823037"/>
+        <p14:creationId xmlns:p14="http://schemas.microsoft.com/office/powerpoint/2010/main" val="3262384465"/>
       </p:ext>
     </p:extLst>
   </p:cSld>
@@ -6274,7 +6735,7 @@
           <p:cNvPr id="2" name="Title 1">
             <a:extLst>
               <a:ext uri="{FF2B5EF4-FFF2-40B4-BE49-F238E27FC236}">
-                <a16:creationId xmlns:a16="http://schemas.microsoft.com/office/drawing/2014/main" id="{109A1B16-4824-4B39-AA98-789C66E0DE1B}"/>
+                <a16:creationId xmlns:a16="http://schemas.microsoft.com/office/drawing/2014/main" id="{F1E30A77-DD40-4A56-AD33-EC051C0AD2E8}"/>
               </a:ext>
             </a:extLst>
           </p:cNvPr>
@@ -6292,41 +6753,159 @@
           <a:p>
             <a:r>
               <a:rPr lang="en-GB" dirty="0"/>
-              <a:t>Multi-scale CLEAN</a:t>
+              <a:t>CLEAN</a:t>
             </a:r>
             <a:endParaRPr lang="en-CH" dirty="0"/>
           </a:p>
         </p:txBody>
       </p:sp>
-      <p:sp>
-        <p:nvSpPr>
-          <p:cNvPr id="3" name="Content Placeholder 2">
-            <a:extLst>
-              <a:ext uri="{FF2B5EF4-FFF2-40B4-BE49-F238E27FC236}">
-                <a16:creationId xmlns:a16="http://schemas.microsoft.com/office/drawing/2014/main" id="{E8143459-0E23-4B0B-92B6-64A1E4AC23AA}"/>
-              </a:ext>
-            </a:extLst>
-          </p:cNvPr>
-          <p:cNvSpPr>
-            <a:spLocks noGrp="1"/>
-          </p:cNvSpPr>
+      <p:pic>
+        <p:nvPicPr>
+          <p:cNvPr id="5" name="Content Placeholder 4" descr="A star in the background&#10;&#10;Description automatically generated">
+            <a:extLst>
+              <a:ext uri="{FF2B5EF4-FFF2-40B4-BE49-F238E27FC236}">
+                <a16:creationId xmlns:a16="http://schemas.microsoft.com/office/drawing/2014/main" id="{30678A84-3206-436F-8601-583D9DF43F80}"/>
+              </a:ext>
+            </a:extLst>
+          </p:cNvPr>
+          <p:cNvPicPr>
+            <a:picLocks noGrp="1" noChangeAspect="1"/>
+          </p:cNvPicPr>
           <p:nvPr>
             <p:ph idx="1"/>
           </p:nvPr>
-        </p:nvSpPr>
-        <p:spPr/>
-        <p:txBody>
-          <a:bodyPr/>
-          <a:lstStyle/>
-          <a:p>
-            <a:endParaRPr lang="en-CH"/>
-          </a:p>
-        </p:txBody>
-      </p:sp>
+        </p:nvPicPr>
+        <p:blipFill>
+          <a:blip r:embed="rId2">
+            <a:extLst>
+              <a:ext uri="{28A0092B-C50C-407E-A947-70E740481C1C}">
+                <a14:useLocalDpi xmlns:a14="http://schemas.microsoft.com/office/drawing/2010/main" val="0"/>
+              </a:ext>
+            </a:extLst>
+          </a:blip>
+          <a:stretch>
+            <a:fillRect/>
+          </a:stretch>
+        </p:blipFill>
+        <p:spPr>
+          <a:xfrm>
+            <a:off x="1261285" y="1437258"/>
+            <a:ext cx="4948840" cy="4948840"/>
+          </a:xfrm>
+        </p:spPr>
+      </p:pic>
+      <p:pic>
+        <p:nvPicPr>
+          <p:cNvPr id="7" name="Picture 6" descr="A picture containing table&#10;&#10;Description automatically generated">
+            <a:extLst>
+              <a:ext uri="{FF2B5EF4-FFF2-40B4-BE49-F238E27FC236}">
+                <a16:creationId xmlns:a16="http://schemas.microsoft.com/office/drawing/2014/main" id="{CAA40884-91A5-408E-AC95-45AE35CB04F8}"/>
+              </a:ext>
+            </a:extLst>
+          </p:cNvPr>
+          <p:cNvPicPr>
+            <a:picLocks noChangeAspect="1"/>
+          </p:cNvPicPr>
+          <p:nvPr/>
+        </p:nvPicPr>
+        <p:blipFill>
+          <a:blip r:embed="rId3">
+            <a:extLst>
+              <a:ext uri="{28A0092B-C50C-407E-A947-70E740481C1C}">
+                <a14:useLocalDpi xmlns:a14="http://schemas.microsoft.com/office/drawing/2010/main" val="0"/>
+              </a:ext>
+            </a:extLst>
+          </a:blip>
+          <a:stretch>
+            <a:fillRect/>
+          </a:stretch>
+        </p:blipFill>
+        <p:spPr>
+          <a:xfrm>
+            <a:off x="6210125" y="1437258"/>
+            <a:ext cx="4948840" cy="4948840"/>
+          </a:xfrm>
+          <a:prstGeom prst="rect">
+            <a:avLst/>
+          </a:prstGeom>
+        </p:spPr>
+      </p:pic>
+      <p:pic>
+        <p:nvPicPr>
+          <p:cNvPr id="6" name="Picture 5" descr="A star in the background&#10;&#10;Description automatically generated">
+            <a:extLst>
+              <a:ext uri="{FF2B5EF4-FFF2-40B4-BE49-F238E27FC236}">
+                <a16:creationId xmlns:a16="http://schemas.microsoft.com/office/drawing/2014/main" id="{C4E184C6-C0F6-4DF3-8D2A-D7692AC71538}"/>
+              </a:ext>
+            </a:extLst>
+          </p:cNvPr>
+          <p:cNvPicPr>
+            <a:picLocks noChangeAspect="1"/>
+          </p:cNvPicPr>
+          <p:nvPr/>
+        </p:nvPicPr>
+        <p:blipFill>
+          <a:blip r:embed="rId4">
+            <a:extLst>
+              <a:ext uri="{28A0092B-C50C-407E-A947-70E740481C1C}">
+                <a14:useLocalDpi xmlns:a14="http://schemas.microsoft.com/office/drawing/2010/main" val="0"/>
+              </a:ext>
+            </a:extLst>
+          </a:blip>
+          <a:stretch>
+            <a:fillRect/>
+          </a:stretch>
+        </p:blipFill>
+        <p:spPr>
+          <a:xfrm>
+            <a:off x="1256741" y="1437258"/>
+            <a:ext cx="4948840" cy="4948840"/>
+          </a:xfrm>
+          <a:prstGeom prst="rect">
+            <a:avLst/>
+          </a:prstGeom>
+        </p:spPr>
+      </p:pic>
+      <p:pic>
+        <p:nvPicPr>
+          <p:cNvPr id="8" name="Picture 7" descr="A picture containing black, dark, sitting, night&#10;&#10;Description automatically generated">
+            <a:extLst>
+              <a:ext uri="{FF2B5EF4-FFF2-40B4-BE49-F238E27FC236}">
+                <a16:creationId xmlns:a16="http://schemas.microsoft.com/office/drawing/2014/main" id="{07849437-BBC4-4738-8811-3DD74FE66A2B}"/>
+              </a:ext>
+            </a:extLst>
+          </p:cNvPr>
+          <p:cNvPicPr>
+            <a:picLocks noChangeAspect="1"/>
+          </p:cNvPicPr>
+          <p:nvPr/>
+        </p:nvPicPr>
+        <p:blipFill>
+          <a:blip r:embed="rId5">
+            <a:extLst>
+              <a:ext uri="{28A0092B-C50C-407E-A947-70E740481C1C}">
+                <a14:useLocalDpi xmlns:a14="http://schemas.microsoft.com/office/drawing/2010/main" val="0"/>
+              </a:ext>
+            </a:extLst>
+          </a:blip>
+          <a:stretch>
+            <a:fillRect/>
+          </a:stretch>
+        </p:blipFill>
+        <p:spPr>
+          <a:xfrm>
+            <a:off x="6428985" y="1675447"/>
+            <a:ext cx="4501729" cy="4501729"/>
+          </a:xfrm>
+          <a:prstGeom prst="rect">
+            <a:avLst/>
+          </a:prstGeom>
+        </p:spPr>
+      </p:pic>
     </p:spTree>
     <p:extLst>
       <p:ext uri="{BB962C8B-B14F-4D97-AF65-F5344CB8AC3E}">
-        <p14:creationId xmlns:p14="http://schemas.microsoft.com/office/powerpoint/2010/main" val="1642664227"/>
+        <p14:creationId xmlns:p14="http://schemas.microsoft.com/office/powerpoint/2010/main" val="2658338535"/>
       </p:ext>
     </p:extLst>
   </p:cSld>
@@ -6358,7 +6937,7 @@
           <p:cNvPr id="2" name="Title 1">
             <a:extLst>
               <a:ext uri="{FF2B5EF4-FFF2-40B4-BE49-F238E27FC236}">
-                <a16:creationId xmlns:a16="http://schemas.microsoft.com/office/drawing/2014/main" id="{25BCD828-1812-4DF5-A664-0037CDA71AA0}"/>
+                <a16:creationId xmlns:a16="http://schemas.microsoft.com/office/drawing/2014/main" id="{F1E30A77-DD40-4A56-AD33-EC051C0AD2E8}"/>
               </a:ext>
             </a:extLst>
           </p:cNvPr>
@@ -6376,41 +6955,231 @@
           <a:p>
             <a:r>
               <a:rPr lang="en-GB" dirty="0"/>
-              <a:t>Super Resolution</a:t>
+              <a:t>CLEAN</a:t>
             </a:r>
             <a:endParaRPr lang="en-CH" dirty="0"/>
           </a:p>
         </p:txBody>
       </p:sp>
-      <p:sp>
-        <p:nvSpPr>
-          <p:cNvPr id="3" name="Content Placeholder 2">
-            <a:extLst>
-              <a:ext uri="{FF2B5EF4-FFF2-40B4-BE49-F238E27FC236}">
-                <a16:creationId xmlns:a16="http://schemas.microsoft.com/office/drawing/2014/main" id="{E30B0AB9-0FB3-49C9-8B06-10D586953417}"/>
-              </a:ext>
-            </a:extLst>
-          </p:cNvPr>
-          <p:cNvSpPr>
-            <a:spLocks noGrp="1"/>
-          </p:cNvSpPr>
+      <p:pic>
+        <p:nvPicPr>
+          <p:cNvPr id="5" name="Content Placeholder 4" descr="A star in the background&#10;&#10;Description automatically generated">
+            <a:extLst>
+              <a:ext uri="{FF2B5EF4-FFF2-40B4-BE49-F238E27FC236}">
+                <a16:creationId xmlns:a16="http://schemas.microsoft.com/office/drawing/2014/main" id="{30678A84-3206-436F-8601-583D9DF43F80}"/>
+              </a:ext>
+            </a:extLst>
+          </p:cNvPr>
+          <p:cNvPicPr>
+            <a:picLocks noGrp="1" noChangeAspect="1"/>
+          </p:cNvPicPr>
           <p:nvPr>
             <p:ph idx="1"/>
           </p:nvPr>
-        </p:nvSpPr>
-        <p:spPr/>
-        <p:txBody>
-          <a:bodyPr/>
-          <a:lstStyle/>
-          <a:p>
-            <a:endParaRPr lang="en-CH"/>
-          </a:p>
-        </p:txBody>
-      </p:sp>
+        </p:nvPicPr>
+        <p:blipFill>
+          <a:blip r:embed="rId2">
+            <a:extLst>
+              <a:ext uri="{28A0092B-C50C-407E-A947-70E740481C1C}">
+                <a14:useLocalDpi xmlns:a14="http://schemas.microsoft.com/office/drawing/2010/main" val="0"/>
+              </a:ext>
+            </a:extLst>
+          </a:blip>
+          <a:stretch>
+            <a:fillRect/>
+          </a:stretch>
+        </p:blipFill>
+        <p:spPr>
+          <a:xfrm>
+            <a:off x="1261285" y="1437258"/>
+            <a:ext cx="4948840" cy="4948840"/>
+          </a:xfrm>
+        </p:spPr>
+      </p:pic>
+      <p:pic>
+        <p:nvPicPr>
+          <p:cNvPr id="7" name="Picture 6" descr="A picture containing table&#10;&#10;Description automatically generated">
+            <a:extLst>
+              <a:ext uri="{FF2B5EF4-FFF2-40B4-BE49-F238E27FC236}">
+                <a16:creationId xmlns:a16="http://schemas.microsoft.com/office/drawing/2014/main" id="{CAA40884-91A5-408E-AC95-45AE35CB04F8}"/>
+              </a:ext>
+            </a:extLst>
+          </p:cNvPr>
+          <p:cNvPicPr>
+            <a:picLocks noChangeAspect="1"/>
+          </p:cNvPicPr>
+          <p:nvPr/>
+        </p:nvPicPr>
+        <p:blipFill>
+          <a:blip r:embed="rId3">
+            <a:extLst>
+              <a:ext uri="{28A0092B-C50C-407E-A947-70E740481C1C}">
+                <a14:useLocalDpi xmlns:a14="http://schemas.microsoft.com/office/drawing/2010/main" val="0"/>
+              </a:ext>
+            </a:extLst>
+          </a:blip>
+          <a:stretch>
+            <a:fillRect/>
+          </a:stretch>
+        </p:blipFill>
+        <p:spPr>
+          <a:xfrm>
+            <a:off x="6210125" y="1437258"/>
+            <a:ext cx="4948840" cy="4948840"/>
+          </a:xfrm>
+          <a:prstGeom prst="rect">
+            <a:avLst/>
+          </a:prstGeom>
+        </p:spPr>
+      </p:pic>
+      <p:pic>
+        <p:nvPicPr>
+          <p:cNvPr id="6" name="Picture 5" descr="A star in the background&#10;&#10;Description automatically generated">
+            <a:extLst>
+              <a:ext uri="{FF2B5EF4-FFF2-40B4-BE49-F238E27FC236}">
+                <a16:creationId xmlns:a16="http://schemas.microsoft.com/office/drawing/2014/main" id="{C4E184C6-C0F6-4DF3-8D2A-D7692AC71538}"/>
+              </a:ext>
+            </a:extLst>
+          </p:cNvPr>
+          <p:cNvPicPr>
+            <a:picLocks noChangeAspect="1"/>
+          </p:cNvPicPr>
+          <p:nvPr/>
+        </p:nvPicPr>
+        <p:blipFill>
+          <a:blip r:embed="rId4">
+            <a:extLst>
+              <a:ext uri="{28A0092B-C50C-407E-A947-70E740481C1C}">
+                <a14:useLocalDpi xmlns:a14="http://schemas.microsoft.com/office/drawing/2010/main" val="0"/>
+              </a:ext>
+            </a:extLst>
+          </a:blip>
+          <a:stretch>
+            <a:fillRect/>
+          </a:stretch>
+        </p:blipFill>
+        <p:spPr>
+          <a:xfrm>
+            <a:off x="1256741" y="1437258"/>
+            <a:ext cx="4948840" cy="4948840"/>
+          </a:xfrm>
+          <a:prstGeom prst="rect">
+            <a:avLst/>
+          </a:prstGeom>
+        </p:spPr>
+      </p:pic>
+      <p:pic>
+        <p:nvPicPr>
+          <p:cNvPr id="8" name="Picture 7" descr="A picture containing black, dark, sitting, night&#10;&#10;Description automatically generated">
+            <a:extLst>
+              <a:ext uri="{FF2B5EF4-FFF2-40B4-BE49-F238E27FC236}">
+                <a16:creationId xmlns:a16="http://schemas.microsoft.com/office/drawing/2014/main" id="{07849437-BBC4-4738-8811-3DD74FE66A2B}"/>
+              </a:ext>
+            </a:extLst>
+          </p:cNvPr>
+          <p:cNvPicPr>
+            <a:picLocks noChangeAspect="1"/>
+          </p:cNvPicPr>
+          <p:nvPr/>
+        </p:nvPicPr>
+        <p:blipFill>
+          <a:blip r:embed="rId5">
+            <a:extLst>
+              <a:ext uri="{28A0092B-C50C-407E-A947-70E740481C1C}">
+                <a14:useLocalDpi xmlns:a14="http://schemas.microsoft.com/office/drawing/2010/main" val="0"/>
+              </a:ext>
+            </a:extLst>
+          </a:blip>
+          <a:stretch>
+            <a:fillRect/>
+          </a:stretch>
+        </p:blipFill>
+        <p:spPr>
+          <a:xfrm>
+            <a:off x="6428985" y="1675447"/>
+            <a:ext cx="4501729" cy="4501729"/>
+          </a:xfrm>
+          <a:prstGeom prst="rect">
+            <a:avLst/>
+          </a:prstGeom>
+        </p:spPr>
+      </p:pic>
+      <p:pic>
+        <p:nvPicPr>
+          <p:cNvPr id="9" name="Picture 8" descr="A picture containing light, green, star, sitting&#10;&#10;Description automatically generated">
+            <a:extLst>
+              <a:ext uri="{FF2B5EF4-FFF2-40B4-BE49-F238E27FC236}">
+                <a16:creationId xmlns:a16="http://schemas.microsoft.com/office/drawing/2014/main" id="{B8EB7FBB-1A89-4D33-BB08-C0FC99CB336B}"/>
+              </a:ext>
+            </a:extLst>
+          </p:cNvPr>
+          <p:cNvPicPr>
+            <a:picLocks noChangeAspect="1"/>
+          </p:cNvPicPr>
+          <p:nvPr/>
+        </p:nvPicPr>
+        <p:blipFill>
+          <a:blip r:embed="rId6">
+            <a:extLst>
+              <a:ext uri="{28A0092B-C50C-407E-A947-70E740481C1C}">
+                <a14:useLocalDpi xmlns:a14="http://schemas.microsoft.com/office/drawing/2010/main" val="0"/>
+              </a:ext>
+            </a:extLst>
+          </a:blip>
+          <a:stretch>
+            <a:fillRect/>
+          </a:stretch>
+        </p:blipFill>
+        <p:spPr>
+          <a:xfrm>
+            <a:off x="1261285" y="1422744"/>
+            <a:ext cx="4978056" cy="4978056"/>
+          </a:xfrm>
+          <a:prstGeom prst="rect">
+            <a:avLst/>
+          </a:prstGeom>
+        </p:spPr>
+      </p:pic>
+      <p:pic>
+        <p:nvPicPr>
+          <p:cNvPr id="10" name="Picture 9" descr="A picture containing black, dark, night, star&#10;&#10;Description automatically generated">
+            <a:extLst>
+              <a:ext uri="{FF2B5EF4-FFF2-40B4-BE49-F238E27FC236}">
+                <a16:creationId xmlns:a16="http://schemas.microsoft.com/office/drawing/2014/main" id="{CE78FB34-6333-471E-9C90-9BB62326C1A2}"/>
+              </a:ext>
+            </a:extLst>
+          </p:cNvPr>
+          <p:cNvPicPr>
+            <a:picLocks noChangeAspect="1"/>
+          </p:cNvPicPr>
+          <p:nvPr/>
+        </p:nvPicPr>
+        <p:blipFill>
+          <a:blip r:embed="rId7">
+            <a:extLst>
+              <a:ext uri="{28A0092B-C50C-407E-A947-70E740481C1C}">
+                <a14:useLocalDpi xmlns:a14="http://schemas.microsoft.com/office/drawing/2010/main" val="0"/>
+              </a:ext>
+            </a:extLst>
+          </a:blip>
+          <a:stretch>
+            <a:fillRect/>
+          </a:stretch>
+        </p:blipFill>
+        <p:spPr>
+          <a:xfrm>
+            <a:off x="6428984" y="1675446"/>
+            <a:ext cx="4501729" cy="4501729"/>
+          </a:xfrm>
+          <a:prstGeom prst="rect">
+            <a:avLst/>
+          </a:prstGeom>
+        </p:spPr>
+      </p:pic>
     </p:spTree>
     <p:extLst>
       <p:ext uri="{BB962C8B-B14F-4D97-AF65-F5344CB8AC3E}">
-        <p14:creationId xmlns:p14="http://schemas.microsoft.com/office/powerpoint/2010/main" val="1155749482"/>
+        <p14:creationId xmlns:p14="http://schemas.microsoft.com/office/powerpoint/2010/main" val="1476192022"/>
       </p:ext>
     </p:extLst>
   </p:cSld>
@@ -6442,7 +7211,7 @@
           <p:cNvPr id="2" name="Title 1">
             <a:extLst>
               <a:ext uri="{FF2B5EF4-FFF2-40B4-BE49-F238E27FC236}">
-                <a16:creationId xmlns:a16="http://schemas.microsoft.com/office/drawing/2014/main" id="{134094BD-5175-4C3F-9CA9-6E69F0956AA0}"/>
+                <a16:creationId xmlns:a16="http://schemas.microsoft.com/office/drawing/2014/main" id="{F1E30A77-DD40-4A56-AD33-EC051C0AD2E8}"/>
               </a:ext>
             </a:extLst>
           </p:cNvPr>
@@ -6460,41 +7229,303 @@
           <a:p>
             <a:r>
               <a:rPr lang="en-GB" dirty="0"/>
-              <a:t>Elastic Net Regularization</a:t>
+              <a:t>CLEAN</a:t>
             </a:r>
             <a:endParaRPr lang="en-CH" dirty="0"/>
           </a:p>
         </p:txBody>
       </p:sp>
-      <p:sp>
-        <p:nvSpPr>
-          <p:cNvPr id="3" name="Content Placeholder 2">
-            <a:extLst>
-              <a:ext uri="{FF2B5EF4-FFF2-40B4-BE49-F238E27FC236}">
-                <a16:creationId xmlns:a16="http://schemas.microsoft.com/office/drawing/2014/main" id="{98630EFC-F809-4BA1-A811-696E0B06C10C}"/>
-              </a:ext>
-            </a:extLst>
-          </p:cNvPr>
-          <p:cNvSpPr>
-            <a:spLocks noGrp="1"/>
-          </p:cNvSpPr>
+      <p:pic>
+        <p:nvPicPr>
+          <p:cNvPr id="5" name="Content Placeholder 4" descr="A star in the background&#10;&#10;Description automatically generated">
+            <a:extLst>
+              <a:ext uri="{FF2B5EF4-FFF2-40B4-BE49-F238E27FC236}">
+                <a16:creationId xmlns:a16="http://schemas.microsoft.com/office/drawing/2014/main" id="{30678A84-3206-436F-8601-583D9DF43F80}"/>
+              </a:ext>
+            </a:extLst>
+          </p:cNvPr>
+          <p:cNvPicPr>
+            <a:picLocks noGrp="1" noChangeAspect="1"/>
+          </p:cNvPicPr>
           <p:nvPr>
             <p:ph idx="1"/>
           </p:nvPr>
-        </p:nvSpPr>
-        <p:spPr/>
-        <p:txBody>
-          <a:bodyPr/>
-          <a:lstStyle/>
-          <a:p>
-            <a:endParaRPr lang="en-CH"/>
-          </a:p>
-        </p:txBody>
-      </p:sp>
+        </p:nvPicPr>
+        <p:blipFill>
+          <a:blip r:embed="rId2">
+            <a:extLst>
+              <a:ext uri="{28A0092B-C50C-407E-A947-70E740481C1C}">
+                <a14:useLocalDpi xmlns:a14="http://schemas.microsoft.com/office/drawing/2010/main" val="0"/>
+              </a:ext>
+            </a:extLst>
+          </a:blip>
+          <a:stretch>
+            <a:fillRect/>
+          </a:stretch>
+        </p:blipFill>
+        <p:spPr>
+          <a:xfrm>
+            <a:off x="1261285" y="1437258"/>
+            <a:ext cx="4948840" cy="4948840"/>
+          </a:xfrm>
+        </p:spPr>
+      </p:pic>
+      <p:pic>
+        <p:nvPicPr>
+          <p:cNvPr id="7" name="Picture 6" descr="A picture containing table&#10;&#10;Description automatically generated">
+            <a:extLst>
+              <a:ext uri="{FF2B5EF4-FFF2-40B4-BE49-F238E27FC236}">
+                <a16:creationId xmlns:a16="http://schemas.microsoft.com/office/drawing/2014/main" id="{CAA40884-91A5-408E-AC95-45AE35CB04F8}"/>
+              </a:ext>
+            </a:extLst>
+          </p:cNvPr>
+          <p:cNvPicPr>
+            <a:picLocks noChangeAspect="1"/>
+          </p:cNvPicPr>
+          <p:nvPr/>
+        </p:nvPicPr>
+        <p:blipFill>
+          <a:blip r:embed="rId3">
+            <a:extLst>
+              <a:ext uri="{28A0092B-C50C-407E-A947-70E740481C1C}">
+                <a14:useLocalDpi xmlns:a14="http://schemas.microsoft.com/office/drawing/2010/main" val="0"/>
+              </a:ext>
+            </a:extLst>
+          </a:blip>
+          <a:stretch>
+            <a:fillRect/>
+          </a:stretch>
+        </p:blipFill>
+        <p:spPr>
+          <a:xfrm>
+            <a:off x="6210125" y="1437258"/>
+            <a:ext cx="4948840" cy="4948840"/>
+          </a:xfrm>
+          <a:prstGeom prst="rect">
+            <a:avLst/>
+          </a:prstGeom>
+        </p:spPr>
+      </p:pic>
+      <p:pic>
+        <p:nvPicPr>
+          <p:cNvPr id="6" name="Picture 5" descr="A star in the background&#10;&#10;Description automatically generated">
+            <a:extLst>
+              <a:ext uri="{FF2B5EF4-FFF2-40B4-BE49-F238E27FC236}">
+                <a16:creationId xmlns:a16="http://schemas.microsoft.com/office/drawing/2014/main" id="{C4E184C6-C0F6-4DF3-8D2A-D7692AC71538}"/>
+              </a:ext>
+            </a:extLst>
+          </p:cNvPr>
+          <p:cNvPicPr>
+            <a:picLocks noChangeAspect="1"/>
+          </p:cNvPicPr>
+          <p:nvPr/>
+        </p:nvPicPr>
+        <p:blipFill>
+          <a:blip r:embed="rId4">
+            <a:extLst>
+              <a:ext uri="{28A0092B-C50C-407E-A947-70E740481C1C}">
+                <a14:useLocalDpi xmlns:a14="http://schemas.microsoft.com/office/drawing/2010/main" val="0"/>
+              </a:ext>
+            </a:extLst>
+          </a:blip>
+          <a:stretch>
+            <a:fillRect/>
+          </a:stretch>
+        </p:blipFill>
+        <p:spPr>
+          <a:xfrm>
+            <a:off x="1256741" y="1437258"/>
+            <a:ext cx="4948840" cy="4948840"/>
+          </a:xfrm>
+          <a:prstGeom prst="rect">
+            <a:avLst/>
+          </a:prstGeom>
+        </p:spPr>
+      </p:pic>
+      <p:pic>
+        <p:nvPicPr>
+          <p:cNvPr id="8" name="Picture 7" descr="A picture containing black, dark, sitting, night&#10;&#10;Description automatically generated">
+            <a:extLst>
+              <a:ext uri="{FF2B5EF4-FFF2-40B4-BE49-F238E27FC236}">
+                <a16:creationId xmlns:a16="http://schemas.microsoft.com/office/drawing/2014/main" id="{07849437-BBC4-4738-8811-3DD74FE66A2B}"/>
+              </a:ext>
+            </a:extLst>
+          </p:cNvPr>
+          <p:cNvPicPr>
+            <a:picLocks noChangeAspect="1"/>
+          </p:cNvPicPr>
+          <p:nvPr/>
+        </p:nvPicPr>
+        <p:blipFill>
+          <a:blip r:embed="rId5">
+            <a:extLst>
+              <a:ext uri="{28A0092B-C50C-407E-A947-70E740481C1C}">
+                <a14:useLocalDpi xmlns:a14="http://schemas.microsoft.com/office/drawing/2010/main" val="0"/>
+              </a:ext>
+            </a:extLst>
+          </a:blip>
+          <a:stretch>
+            <a:fillRect/>
+          </a:stretch>
+        </p:blipFill>
+        <p:spPr>
+          <a:xfrm>
+            <a:off x="6428985" y="1675447"/>
+            <a:ext cx="4501729" cy="4501729"/>
+          </a:xfrm>
+          <a:prstGeom prst="rect">
+            <a:avLst/>
+          </a:prstGeom>
+        </p:spPr>
+      </p:pic>
+      <p:pic>
+        <p:nvPicPr>
+          <p:cNvPr id="9" name="Picture 8" descr="A picture containing light, green, star, sitting&#10;&#10;Description automatically generated">
+            <a:extLst>
+              <a:ext uri="{FF2B5EF4-FFF2-40B4-BE49-F238E27FC236}">
+                <a16:creationId xmlns:a16="http://schemas.microsoft.com/office/drawing/2014/main" id="{B8EB7FBB-1A89-4D33-BB08-C0FC99CB336B}"/>
+              </a:ext>
+            </a:extLst>
+          </p:cNvPr>
+          <p:cNvPicPr>
+            <a:picLocks noChangeAspect="1"/>
+          </p:cNvPicPr>
+          <p:nvPr/>
+        </p:nvPicPr>
+        <p:blipFill>
+          <a:blip r:embed="rId6">
+            <a:extLst>
+              <a:ext uri="{28A0092B-C50C-407E-A947-70E740481C1C}">
+                <a14:useLocalDpi xmlns:a14="http://schemas.microsoft.com/office/drawing/2010/main" val="0"/>
+              </a:ext>
+            </a:extLst>
+          </a:blip>
+          <a:stretch>
+            <a:fillRect/>
+          </a:stretch>
+        </p:blipFill>
+        <p:spPr>
+          <a:xfrm>
+            <a:off x="1261285" y="1437258"/>
+            <a:ext cx="4939449" cy="4939449"/>
+          </a:xfrm>
+          <a:prstGeom prst="rect">
+            <a:avLst/>
+          </a:prstGeom>
+        </p:spPr>
+      </p:pic>
+      <p:pic>
+        <p:nvPicPr>
+          <p:cNvPr id="10" name="Picture 9" descr="A picture containing black, dark, night, star&#10;&#10;Description automatically generated">
+            <a:extLst>
+              <a:ext uri="{FF2B5EF4-FFF2-40B4-BE49-F238E27FC236}">
+                <a16:creationId xmlns:a16="http://schemas.microsoft.com/office/drawing/2014/main" id="{CE78FB34-6333-471E-9C90-9BB62326C1A2}"/>
+              </a:ext>
+            </a:extLst>
+          </p:cNvPr>
+          <p:cNvPicPr>
+            <a:picLocks noChangeAspect="1"/>
+          </p:cNvPicPr>
+          <p:nvPr/>
+        </p:nvPicPr>
+        <p:blipFill>
+          <a:blip r:embed="rId7">
+            <a:extLst>
+              <a:ext uri="{28A0092B-C50C-407E-A947-70E740481C1C}">
+                <a14:useLocalDpi xmlns:a14="http://schemas.microsoft.com/office/drawing/2010/main" val="0"/>
+              </a:ext>
+            </a:extLst>
+          </a:blip>
+          <a:stretch>
+            <a:fillRect/>
+          </a:stretch>
+        </p:blipFill>
+        <p:spPr>
+          <a:xfrm>
+            <a:off x="6428984" y="1675446"/>
+            <a:ext cx="4501729" cy="4501729"/>
+          </a:xfrm>
+          <a:prstGeom prst="rect">
+            <a:avLst/>
+          </a:prstGeom>
+        </p:spPr>
+      </p:pic>
+      <p:pic>
+        <p:nvPicPr>
+          <p:cNvPr id="11" name="Picture 10" descr="A picture containing light, green, red, star&#10;&#10;Description automatically generated">
+            <a:extLst>
+              <a:ext uri="{FF2B5EF4-FFF2-40B4-BE49-F238E27FC236}">
+                <a16:creationId xmlns:a16="http://schemas.microsoft.com/office/drawing/2014/main" id="{512A81C2-CA14-4744-8FC3-3D1947188631}"/>
+              </a:ext>
+            </a:extLst>
+          </p:cNvPr>
+          <p:cNvPicPr>
+            <a:picLocks noChangeAspect="1"/>
+          </p:cNvPicPr>
+          <p:nvPr/>
+        </p:nvPicPr>
+        <p:blipFill>
+          <a:blip r:embed="rId8">
+            <a:extLst>
+              <a:ext uri="{28A0092B-C50C-407E-A947-70E740481C1C}">
+                <a14:useLocalDpi xmlns:a14="http://schemas.microsoft.com/office/drawing/2010/main" val="0"/>
+              </a:ext>
+            </a:extLst>
+          </a:blip>
+          <a:stretch>
+            <a:fillRect/>
+          </a:stretch>
+        </p:blipFill>
+        <p:spPr>
+          <a:xfrm>
+            <a:off x="1261284" y="1437258"/>
+            <a:ext cx="4948840" cy="4948840"/>
+          </a:xfrm>
+          <a:prstGeom prst="rect">
+            <a:avLst/>
+          </a:prstGeom>
+        </p:spPr>
+      </p:pic>
+      <p:pic>
+        <p:nvPicPr>
+          <p:cNvPr id="12" name="Picture 11" descr="A picture containing black, dark, night, laptop&#10;&#10;Description automatically generated">
+            <a:extLst>
+              <a:ext uri="{FF2B5EF4-FFF2-40B4-BE49-F238E27FC236}">
+                <a16:creationId xmlns:a16="http://schemas.microsoft.com/office/drawing/2014/main" id="{8EAB9F44-9D01-41A5-A3AE-AD0776DCFBE8}"/>
+              </a:ext>
+            </a:extLst>
+          </p:cNvPr>
+          <p:cNvPicPr>
+            <a:picLocks noChangeAspect="1"/>
+          </p:cNvPicPr>
+          <p:nvPr/>
+        </p:nvPicPr>
+        <p:blipFill>
+          <a:blip r:embed="rId9">
+            <a:extLst>
+              <a:ext uri="{28A0092B-C50C-407E-A947-70E740481C1C}">
+                <a14:useLocalDpi xmlns:a14="http://schemas.microsoft.com/office/drawing/2010/main" val="0"/>
+              </a:ext>
+            </a:extLst>
+          </a:blip>
+          <a:stretch>
+            <a:fillRect/>
+          </a:stretch>
+        </p:blipFill>
+        <p:spPr>
+          <a:xfrm>
+            <a:off x="6428983" y="1675445"/>
+            <a:ext cx="4501728" cy="4501728"/>
+          </a:xfrm>
+          <a:prstGeom prst="rect">
+            <a:avLst/>
+          </a:prstGeom>
+        </p:spPr>
+      </p:pic>
     </p:spTree>
     <p:extLst>
       <p:ext uri="{BB962C8B-B14F-4D97-AF65-F5344CB8AC3E}">
-        <p14:creationId xmlns:p14="http://schemas.microsoft.com/office/powerpoint/2010/main" val="69912885"/>
+        <p14:creationId xmlns:p14="http://schemas.microsoft.com/office/powerpoint/2010/main" val="3035173576"/>
       </p:ext>
     </p:extLst>
   </p:cSld>
